--- a/DG_05 Responsibilities.pptx
+++ b/DG_05 Responsibilities.pptx
@@ -5,14 +5,15 @@
     <p:sldMasterId id="2147483739" r:id="rId1"/>
   </p:sldMasterIdLst>
   <p:notesMasterIdLst>
-    <p:notesMasterId r:id="rId7"/>
+    <p:notesMasterId r:id="rId8"/>
   </p:notesMasterIdLst>
   <p:sldIdLst>
     <p:sldId id="643" r:id="rId2"/>
     <p:sldId id="644" r:id="rId3"/>
     <p:sldId id="648" r:id="rId4"/>
-    <p:sldId id="649" r:id="rId5"/>
-    <p:sldId id="650" r:id="rId6"/>
+    <p:sldId id="651" r:id="rId5"/>
+    <p:sldId id="649" r:id="rId6"/>
+    <p:sldId id="650" r:id="rId7"/>
   </p:sldIdLst>
   <p:sldSz cx="9144000" cy="6858000" type="screen4x3"/>
   <p:notesSz cx="6858000" cy="9144000"/>
@@ -113,7 +114,7 @@
   </p:defaultTextStyle>
   <p:extLst>
     <p:ext uri="{EFAFB233-063F-42B5-8137-9DF3F51BA10A}">
-      <p15:sldGuideLst xmlns:p15="http://schemas.microsoft.com/office/powerpoint/2012/main" xmlns="">
+      <p15:sldGuideLst xmlns="" xmlns:p15="http://schemas.microsoft.com/office/powerpoint/2012/main">
         <p15:guide id="1" orient="horz" pos="2160">
           <p15:clr>
             <a:srgbClr val="A4A3A4"/>
@@ -212,7 +213,7 @@
           <a:p>
             <a:fld id="{78C00125-7AA2-BF47-9592-BD0EA1380ED7}" type="datetimeFigureOut">
               <a:rPr lang="en-US" smtClean="0"/>
-              <a:t>5/23/2022</a:t>
+              <a:t>5/24/2022</a:t>
             </a:fld>
             <a:endParaRPr lang="en-US"/>
           </a:p>
@@ -648,6 +649,90 @@
 </p:notes>
 </file>
 
+<file path=ppt/notesSlides/notesSlide3.xml><?xml version="1.0" encoding="utf-8"?>
+<p:notes xmlns:a="http://schemas.openxmlformats.org/drawingml/2006/main" xmlns:r="http://schemas.openxmlformats.org/officeDocument/2006/relationships" xmlns:p="http://schemas.openxmlformats.org/presentationml/2006/main">
+  <p:cSld>
+    <p:spTree>
+      <p:nvGrpSpPr>
+        <p:cNvPr id="1" name=""/>
+        <p:cNvGrpSpPr/>
+        <p:nvPr/>
+      </p:nvGrpSpPr>
+      <p:grpSpPr>
+        <a:xfrm>
+          <a:off x="0" y="0"/>
+          <a:ext cx="0" cy="0"/>
+          <a:chOff x="0" y="0"/>
+          <a:chExt cx="0" cy="0"/>
+        </a:xfrm>
+      </p:grpSpPr>
+      <p:sp>
+        <p:nvSpPr>
+          <p:cNvPr id="2" name="Slide Image Placeholder 1"/>
+          <p:cNvSpPr>
+            <a:spLocks noGrp="1" noRot="1" noChangeAspect="1"/>
+          </p:cNvSpPr>
+          <p:nvPr>
+            <p:ph type="sldImg"/>
+          </p:nvPr>
+        </p:nvSpPr>
+        <p:spPr/>
+      </p:sp>
+      <p:sp>
+        <p:nvSpPr>
+          <p:cNvPr id="3" name="Notes Placeholder 2"/>
+          <p:cNvSpPr>
+            <a:spLocks noGrp="1"/>
+          </p:cNvSpPr>
+          <p:nvPr>
+            <p:ph type="body" idx="1"/>
+          </p:nvPr>
+        </p:nvSpPr>
+        <p:spPr/>
+        <p:txBody>
+          <a:bodyPr/>
+          <a:lstStyle/>
+          <a:p>
+            <a:endParaRPr lang="en-US" dirty="0"/>
+          </a:p>
+        </p:txBody>
+      </p:sp>
+      <p:sp>
+        <p:nvSpPr>
+          <p:cNvPr id="4" name="Slide Number Placeholder 3"/>
+          <p:cNvSpPr>
+            <a:spLocks noGrp="1"/>
+          </p:cNvSpPr>
+          <p:nvPr>
+            <p:ph type="sldNum" sz="quarter" idx="10"/>
+          </p:nvPr>
+        </p:nvSpPr>
+        <p:spPr/>
+        <p:txBody>
+          <a:bodyPr/>
+          <a:lstStyle/>
+          <a:p>
+            <a:fld id="{2D8A47E9-43C9-0F4F-9379-1746571B2494}" type="slidenum">
+              <a:rPr lang="en-US" smtClean="0"/>
+              <a:t>4</a:t>
+            </a:fld>
+            <a:endParaRPr lang="en-US"/>
+          </a:p>
+        </p:txBody>
+      </p:sp>
+    </p:spTree>
+    <p:extLst>
+      <p:ext uri="{BB962C8B-B14F-4D97-AF65-F5344CB8AC3E}">
+        <p14:creationId xmlns:p14="http://schemas.microsoft.com/office/powerpoint/2010/main" val="3988076159"/>
+      </p:ext>
+    </p:extLst>
+  </p:cSld>
+  <p:clrMapOvr>
+    <a:masterClrMapping/>
+  </p:clrMapOvr>
+</p:notes>
+</file>
+
 <file path=ppt/slideLayouts/slideLayout1.xml><?xml version="1.0" encoding="utf-8"?>
 <p:sldLayout xmlns:a="http://schemas.openxmlformats.org/drawingml/2006/main" xmlns:r="http://schemas.openxmlformats.org/officeDocument/2006/relationships" xmlns:p="http://schemas.openxmlformats.org/presentationml/2006/main" showMasterSp="0" type="title" preserve="1">
   <p:cSld name="Title Slide">
@@ -2461,7 +2546,7 @@
             <a:fld id="{28E80666-FB37-4B36-9149-507F3B0178E3}" type="datetimeFigureOut">
               <a:rPr lang="en-US" smtClean="0"/>
               <a:pPr/>
-              <a:t>5/23/2022</a:t>
+              <a:t>5/24/2022</a:t>
             </a:fld>
             <a:endParaRPr lang="en-US"/>
           </a:p>
@@ -2643,7 +2728,7 @@
           <a:p>
             <a:fld id="{05DB9FB3-5BB2-724E-A037-6C88DDC21847}" type="datetimeFigureOut">
               <a:rPr lang="en-US" smtClean="0"/>
-              <a:t>5/23/2022</a:t>
+              <a:t>5/24/2022</a:t>
             </a:fld>
             <a:endParaRPr lang="en-US"/>
           </a:p>
@@ -2794,7 +2879,7 @@
           <a:p>
             <a:fld id="{05DB9FB3-5BB2-724E-A037-6C88DDC21847}" type="datetimeFigureOut">
               <a:rPr lang="en-US" smtClean="0"/>
-              <a:t>5/23/2022</a:t>
+              <a:t>5/24/2022</a:t>
             </a:fld>
             <a:endParaRPr lang="en-US"/>
           </a:p>
@@ -4620,7 +4705,7 @@
           <a:p>
             <a:fld id="{05DB9FB3-5BB2-724E-A037-6C88DDC21847}" type="datetimeFigureOut">
               <a:rPr lang="en-US" smtClean="0"/>
-              <a:t>5/23/2022</a:t>
+              <a:t>5/24/2022</a:t>
             </a:fld>
             <a:endParaRPr lang="en-US"/>
           </a:p>
@@ -6491,7 +6576,7 @@
             <a:fld id="{28E80666-FB37-4B36-9149-507F3B0178E3}" type="datetimeFigureOut">
               <a:rPr lang="en-US" smtClean="0"/>
               <a:pPr/>
-              <a:t>5/23/2022</a:t>
+              <a:t>5/24/2022</a:t>
             </a:fld>
             <a:endParaRPr lang="en-US"/>
           </a:p>
@@ -6605,7 +6690,7 @@
           <a:p>
             <a:fld id="{05DB9FB3-5BB2-724E-A037-6C88DDC21847}" type="datetimeFigureOut">
               <a:rPr lang="en-US" smtClean="0"/>
-              <a:t>5/23/2022</a:t>
+              <a:t>5/24/2022</a:t>
             </a:fld>
             <a:endParaRPr lang="en-US"/>
           </a:p>
@@ -7146,7 +7231,7 @@
           <a:p>
             <a:fld id="{05DB9FB3-5BB2-724E-A037-6C88DDC21847}" type="datetimeFigureOut">
               <a:rPr lang="en-US" smtClean="0"/>
-              <a:t>5/23/2022</a:t>
+              <a:t>5/24/2022</a:t>
             </a:fld>
             <a:endParaRPr lang="en-US"/>
           </a:p>
@@ -7259,7 +7344,7 @@
           <a:p>
             <a:fld id="{05DB9FB3-5BB2-724E-A037-6C88DDC21847}" type="datetimeFigureOut">
               <a:rPr lang="en-US" smtClean="0"/>
-              <a:t>5/23/2022</a:t>
+              <a:t>5/24/2022</a:t>
             </a:fld>
             <a:endParaRPr lang="en-US"/>
           </a:p>
@@ -8970,7 +9055,7 @@
           <a:p>
             <a:fld id="{05DB9FB3-5BB2-724E-A037-6C88DDC21847}" type="datetimeFigureOut">
               <a:rPr lang="en-US" smtClean="0"/>
-              <a:t>5/23/2022</a:t>
+              <a:t>5/24/2022</a:t>
             </a:fld>
             <a:endParaRPr lang="en-US"/>
           </a:p>
@@ -9121,7 +9206,7 @@
           <a:p>
             <a:fld id="{05DB9FB3-5BB2-724E-A037-6C88DDC21847}" type="datetimeFigureOut">
               <a:rPr lang="en-US" smtClean="0"/>
-              <a:t>5/23/2022</a:t>
+              <a:t>5/24/2022</a:t>
             </a:fld>
             <a:endParaRPr lang="en-US"/>
           </a:p>
@@ -12736,7 +12821,7 @@
           <a:p>
             <a:fld id="{05DB9FB3-5BB2-724E-A037-6C88DDC21847}" type="datetimeFigureOut">
               <a:rPr lang="en-US" smtClean="0"/>
-              <a:t>5/23/2022</a:t>
+              <a:t>5/24/2022</a:t>
             </a:fld>
             <a:endParaRPr lang="en-US"/>
           </a:p>
@@ -14595,7 +14680,7 @@
           <a:p>
             <a:fld id="{05DB9FB3-5BB2-724E-A037-6C88DDC21847}" type="datetimeFigureOut">
               <a:rPr lang="en-US" smtClean="0"/>
-              <a:t>5/23/2022</a:t>
+              <a:t>5/24/2022</a:t>
             </a:fld>
             <a:endParaRPr lang="en-US"/>
           </a:p>
@@ -15440,9 +15525,6 @@
               </a:rPr>
               <a:t>Changes state when necessary</a:t>
             </a:r>
-            <a:endParaRPr lang="en-US" sz="3200" smtClean="0">
-              <a:latin typeface="Lucida Sans" panose="020B0602030504020204" pitchFamily="34" charset="0"/>
-            </a:endParaRPr>
           </a:p>
           <a:p>
             <a:pPr lvl="0"/>
@@ -15473,6 +15555,151 @@
 </file>
 
 <file path=ppt/slides/slide4.xml><?xml version="1.0" encoding="utf-8"?>
+<p:sld xmlns:a="http://schemas.openxmlformats.org/drawingml/2006/main" xmlns:r="http://schemas.openxmlformats.org/officeDocument/2006/relationships" xmlns:p="http://schemas.openxmlformats.org/presentationml/2006/main">
+  <p:cSld>
+    <p:spTree>
+      <p:nvGrpSpPr>
+        <p:cNvPr id="1" name=""/>
+        <p:cNvGrpSpPr/>
+        <p:nvPr/>
+      </p:nvGrpSpPr>
+      <p:grpSpPr>
+        <a:xfrm>
+          <a:off x="0" y="0"/>
+          <a:ext cx="0" cy="0"/>
+          <a:chOff x="0" y="0"/>
+          <a:chExt cx="0" cy="0"/>
+        </a:xfrm>
+      </p:grpSpPr>
+      <p:sp>
+        <p:nvSpPr>
+          <p:cNvPr id="2" name="Title 1"/>
+          <p:cNvSpPr>
+            <a:spLocks noGrp="1"/>
+          </p:cNvSpPr>
+          <p:nvPr>
+            <p:ph type="title"/>
+          </p:nvPr>
+        </p:nvSpPr>
+        <p:spPr>
+          <a:xfrm>
+            <a:off x="251586" y="244158"/>
+            <a:ext cx="8637831" cy="1339850"/>
+          </a:xfrm>
+        </p:spPr>
+        <p:txBody>
+          <a:bodyPr anchor="t"/>
+          <a:lstStyle/>
+          <a:p>
+            <a:pPr algn="l"/>
+            <a:r>
+              <a:rPr lang="en-US" smtClean="0"/>
+              <a:t>State Machine</a:t>
+            </a:r>
+            <a:endParaRPr lang="en-US" dirty="0"/>
+          </a:p>
+        </p:txBody>
+      </p:sp>
+      <p:sp>
+        <p:nvSpPr>
+          <p:cNvPr id="5" name="Rectangle 4"/>
+          <p:cNvSpPr/>
+          <p:nvPr/>
+        </p:nvSpPr>
+        <p:spPr>
+          <a:xfrm>
+            <a:off x="519404" y="2620552"/>
+            <a:ext cx="8223380" cy="3046988"/>
+          </a:xfrm>
+          <a:prstGeom prst="rect">
+            <a:avLst/>
+          </a:prstGeom>
+        </p:spPr>
+        <p:txBody>
+          <a:bodyPr wrap="square">
+            <a:spAutoFit/>
+          </a:bodyPr>
+          <a:lstStyle/>
+          <a:p>
+            <a:pPr lvl="0"/>
+            <a:r>
+              <a:rPr lang="en-US" sz="3200" smtClean="0">
+                <a:latin typeface="Lucida Sans" panose="020B0602030504020204" pitchFamily="34" charset="0"/>
+              </a:rPr>
+              <a:t>State_machine</a:t>
+            </a:r>
+          </a:p>
+          <a:p>
+            <a:pPr marL="457200" lvl="0" indent="-457200">
+              <a:buFont typeface="Arial" panose="020B0604020202020204" pitchFamily="34" charset="0"/>
+              <a:buChar char="•"/>
+            </a:pPr>
+            <a:r>
+              <a:rPr lang="en-US" sz="3200">
+                <a:latin typeface="Lucida Sans" panose="020B0602030504020204" pitchFamily="34" charset="0"/>
+              </a:rPr>
+              <a:t>P</a:t>
+            </a:r>
+            <a:r>
+              <a:rPr lang="en-US" sz="3200" smtClean="0">
+                <a:latin typeface="Lucida Sans" panose="020B0602030504020204" pitchFamily="34" charset="0"/>
+              </a:rPr>
+              <a:t>asses arguments to components</a:t>
+            </a:r>
+          </a:p>
+          <a:p>
+            <a:pPr marL="457200" lvl="0" indent="-457200">
+              <a:buFont typeface="Arial" panose="020B0604020202020204" pitchFamily="34" charset="0"/>
+              <a:buChar char="•"/>
+            </a:pPr>
+            <a:r>
+              <a:rPr lang="en-US" sz="3200" smtClean="0">
+                <a:latin typeface="Lucida Sans" panose="020B0602030504020204" pitchFamily="34" charset="0"/>
+              </a:rPr>
+              <a:t>Receives values back from components</a:t>
+            </a:r>
+          </a:p>
+          <a:p>
+            <a:pPr marL="457200" lvl="0" indent="-457200">
+              <a:buFont typeface="Arial" panose="020B0604020202020204" pitchFamily="34" charset="0"/>
+              <a:buChar char="•"/>
+            </a:pPr>
+            <a:r>
+              <a:rPr lang="en-US" sz="3200" smtClean="0">
+                <a:latin typeface="Lucida Sans" panose="020B0602030504020204" pitchFamily="34" charset="0"/>
+              </a:rPr>
+              <a:t>Changes state when necessary</a:t>
+            </a:r>
+          </a:p>
+          <a:p>
+            <a:pPr lvl="0"/>
+            <a:endParaRPr lang="en-US" sz="3200" smtClean="0">
+              <a:latin typeface="Lucida Sans" panose="020B0602030504020204" pitchFamily="34" charset="0"/>
+            </a:endParaRPr>
+          </a:p>
+        </p:txBody>
+      </p:sp>
+    </p:spTree>
+    <p:extLst>
+      <p:ext uri="{BB962C8B-B14F-4D97-AF65-F5344CB8AC3E}">
+        <p14:creationId xmlns:p14="http://schemas.microsoft.com/office/powerpoint/2010/main" val="4021836625"/>
+      </p:ext>
+    </p:extLst>
+  </p:cSld>
+  <p:clrMapOvr>
+    <a:masterClrMapping/>
+  </p:clrMapOvr>
+  <p:timing>
+    <p:tnLst>
+      <p:par>
+        <p:cTn id="1" dur="indefinite" restart="never" nodeType="tmRoot"/>
+      </p:par>
+    </p:tnLst>
+  </p:timing>
+</p:sld>
+</file>
+
+<file path=ppt/slides/slide5.xml><?xml version="1.0" encoding="utf-8"?>
 <p:sld xmlns:a="http://schemas.openxmlformats.org/drawingml/2006/main" xmlns:r="http://schemas.openxmlformats.org/officeDocument/2006/relationships" xmlns:p="http://schemas.openxmlformats.org/presentationml/2006/main">
   <p:cSld>
     <p:spTree>
@@ -15559,19 +15786,7 @@
             </a:r>
             <a:r>
               <a:rPr lang="en-US" smtClean="0"/>
-              <a:t>each </a:t>
-            </a:r>
-            <a:r>
-              <a:rPr lang="en-US" smtClean="0"/>
-              <a:t>component </a:t>
-            </a:r>
-            <a:r>
-              <a:rPr lang="en-US" smtClean="0"/>
-              <a:t>have</a:t>
-            </a:r>
-            <a:r>
-              <a:rPr lang="en-US" smtClean="0"/>
-              <a:t>?</a:t>
+              <a:t>each component have?</a:t>
             </a:r>
           </a:p>
           <a:p>
@@ -15626,11 +15841,7 @@
             </a:r>
             <a:r>
               <a:rPr lang="en-GB" smtClean="0"/>
-              <a:t>stocks</a:t>
-            </a:r>
-            <a:r>
-              <a:rPr lang="en-GB" smtClean="0"/>
-              <a:t>?</a:t>
+              <a:t>stocks?</a:t>
             </a:r>
           </a:p>
           <a:p>
@@ -15891,7 +16102,7 @@
 </p:sld>
 </file>
 
-<file path=ppt/slides/slide5.xml><?xml version="1.0" encoding="utf-8"?>
+<file path=ppt/slides/slide6.xml><?xml version="1.0" encoding="utf-8"?>
 <p:sld xmlns:a="http://schemas.openxmlformats.org/drawingml/2006/main" xmlns:r="http://schemas.openxmlformats.org/officeDocument/2006/relationships" xmlns:p="http://schemas.openxmlformats.org/presentationml/2006/main">
   <p:cSld>
     <p:spTree>

--- a/DG_05 Responsibilities.pptx
+++ b/DG_05 Responsibilities.pptx
@@ -5,15 +5,17 @@
     <p:sldMasterId id="2147483739" r:id="rId1"/>
   </p:sldMasterIdLst>
   <p:notesMasterIdLst>
-    <p:notesMasterId r:id="rId8"/>
+    <p:notesMasterId r:id="rId10"/>
   </p:notesMasterIdLst>
   <p:sldIdLst>
     <p:sldId id="643" r:id="rId2"/>
     <p:sldId id="644" r:id="rId3"/>
     <p:sldId id="648" r:id="rId4"/>
-    <p:sldId id="651" r:id="rId5"/>
-    <p:sldId id="649" r:id="rId6"/>
-    <p:sldId id="650" r:id="rId7"/>
+    <p:sldId id="653" r:id="rId5"/>
+    <p:sldId id="651" r:id="rId6"/>
+    <p:sldId id="652" r:id="rId7"/>
+    <p:sldId id="649" r:id="rId8"/>
+    <p:sldId id="650" r:id="rId9"/>
   </p:sldIdLst>
   <p:sldSz cx="9144000" cy="6858000" type="screen4x3"/>
   <p:notesSz cx="6858000" cy="9144000"/>
@@ -114,7 +116,7 @@
   </p:defaultTextStyle>
   <p:extLst>
     <p:ext uri="{EFAFB233-063F-42B5-8137-9DF3F51BA10A}">
-      <p15:sldGuideLst xmlns="" xmlns:p15="http://schemas.microsoft.com/office/powerpoint/2012/main">
+      <p15:sldGuideLst xmlns:p15="http://schemas.microsoft.com/office/powerpoint/2012/main" xmlns="">
         <p15:guide id="1" orient="horz" pos="2160">
           <p15:clr>
             <a:srgbClr val="A4A3A4"/>
@@ -715,6 +717,174 @@
             <a:fld id="{2D8A47E9-43C9-0F4F-9379-1746571B2494}" type="slidenum">
               <a:rPr lang="en-US" smtClean="0"/>
               <a:t>4</a:t>
+            </a:fld>
+            <a:endParaRPr lang="en-US"/>
+          </a:p>
+        </p:txBody>
+      </p:sp>
+    </p:spTree>
+    <p:extLst>
+      <p:ext uri="{BB962C8B-B14F-4D97-AF65-F5344CB8AC3E}">
+        <p14:creationId xmlns:p14="http://schemas.microsoft.com/office/powerpoint/2010/main" val="3988076159"/>
+      </p:ext>
+    </p:extLst>
+  </p:cSld>
+  <p:clrMapOvr>
+    <a:masterClrMapping/>
+  </p:clrMapOvr>
+</p:notes>
+</file>
+
+<file path=ppt/notesSlides/notesSlide4.xml><?xml version="1.0" encoding="utf-8"?>
+<p:notes xmlns:a="http://schemas.openxmlformats.org/drawingml/2006/main" xmlns:r="http://schemas.openxmlformats.org/officeDocument/2006/relationships" xmlns:p="http://schemas.openxmlformats.org/presentationml/2006/main">
+  <p:cSld>
+    <p:spTree>
+      <p:nvGrpSpPr>
+        <p:cNvPr id="1" name=""/>
+        <p:cNvGrpSpPr/>
+        <p:nvPr/>
+      </p:nvGrpSpPr>
+      <p:grpSpPr>
+        <a:xfrm>
+          <a:off x="0" y="0"/>
+          <a:ext cx="0" cy="0"/>
+          <a:chOff x="0" y="0"/>
+          <a:chExt cx="0" cy="0"/>
+        </a:xfrm>
+      </p:grpSpPr>
+      <p:sp>
+        <p:nvSpPr>
+          <p:cNvPr id="2" name="Slide Image Placeholder 1"/>
+          <p:cNvSpPr>
+            <a:spLocks noGrp="1" noRot="1" noChangeAspect="1"/>
+          </p:cNvSpPr>
+          <p:nvPr>
+            <p:ph type="sldImg"/>
+          </p:nvPr>
+        </p:nvSpPr>
+        <p:spPr/>
+      </p:sp>
+      <p:sp>
+        <p:nvSpPr>
+          <p:cNvPr id="3" name="Notes Placeholder 2"/>
+          <p:cNvSpPr>
+            <a:spLocks noGrp="1"/>
+          </p:cNvSpPr>
+          <p:nvPr>
+            <p:ph type="body" idx="1"/>
+          </p:nvPr>
+        </p:nvSpPr>
+        <p:spPr/>
+        <p:txBody>
+          <a:bodyPr/>
+          <a:lstStyle/>
+          <a:p>
+            <a:endParaRPr lang="en-US" dirty="0"/>
+          </a:p>
+        </p:txBody>
+      </p:sp>
+      <p:sp>
+        <p:nvSpPr>
+          <p:cNvPr id="4" name="Slide Number Placeholder 3"/>
+          <p:cNvSpPr>
+            <a:spLocks noGrp="1"/>
+          </p:cNvSpPr>
+          <p:nvPr>
+            <p:ph type="sldNum" sz="quarter" idx="10"/>
+          </p:nvPr>
+        </p:nvSpPr>
+        <p:spPr/>
+        <p:txBody>
+          <a:bodyPr/>
+          <a:lstStyle/>
+          <a:p>
+            <a:fld id="{2D8A47E9-43C9-0F4F-9379-1746571B2494}" type="slidenum">
+              <a:rPr lang="en-US" smtClean="0"/>
+              <a:t>5</a:t>
+            </a:fld>
+            <a:endParaRPr lang="en-US"/>
+          </a:p>
+        </p:txBody>
+      </p:sp>
+    </p:spTree>
+    <p:extLst>
+      <p:ext uri="{BB962C8B-B14F-4D97-AF65-F5344CB8AC3E}">
+        <p14:creationId xmlns:p14="http://schemas.microsoft.com/office/powerpoint/2010/main" val="3988076159"/>
+      </p:ext>
+    </p:extLst>
+  </p:cSld>
+  <p:clrMapOvr>
+    <a:masterClrMapping/>
+  </p:clrMapOvr>
+</p:notes>
+</file>
+
+<file path=ppt/notesSlides/notesSlide5.xml><?xml version="1.0" encoding="utf-8"?>
+<p:notes xmlns:a="http://schemas.openxmlformats.org/drawingml/2006/main" xmlns:r="http://schemas.openxmlformats.org/officeDocument/2006/relationships" xmlns:p="http://schemas.openxmlformats.org/presentationml/2006/main">
+  <p:cSld>
+    <p:spTree>
+      <p:nvGrpSpPr>
+        <p:cNvPr id="1" name=""/>
+        <p:cNvGrpSpPr/>
+        <p:nvPr/>
+      </p:nvGrpSpPr>
+      <p:grpSpPr>
+        <a:xfrm>
+          <a:off x="0" y="0"/>
+          <a:ext cx="0" cy="0"/>
+          <a:chOff x="0" y="0"/>
+          <a:chExt cx="0" cy="0"/>
+        </a:xfrm>
+      </p:grpSpPr>
+      <p:sp>
+        <p:nvSpPr>
+          <p:cNvPr id="2" name="Slide Image Placeholder 1"/>
+          <p:cNvSpPr>
+            <a:spLocks noGrp="1" noRot="1" noChangeAspect="1"/>
+          </p:cNvSpPr>
+          <p:nvPr>
+            <p:ph type="sldImg"/>
+          </p:nvPr>
+        </p:nvSpPr>
+        <p:spPr/>
+      </p:sp>
+      <p:sp>
+        <p:nvSpPr>
+          <p:cNvPr id="3" name="Notes Placeholder 2"/>
+          <p:cNvSpPr>
+            <a:spLocks noGrp="1"/>
+          </p:cNvSpPr>
+          <p:nvPr>
+            <p:ph type="body" idx="1"/>
+          </p:nvPr>
+        </p:nvSpPr>
+        <p:spPr/>
+        <p:txBody>
+          <a:bodyPr/>
+          <a:lstStyle/>
+          <a:p>
+            <a:endParaRPr lang="en-US" dirty="0"/>
+          </a:p>
+        </p:txBody>
+      </p:sp>
+      <p:sp>
+        <p:nvSpPr>
+          <p:cNvPr id="4" name="Slide Number Placeholder 3"/>
+          <p:cNvSpPr>
+            <a:spLocks noGrp="1"/>
+          </p:cNvSpPr>
+          <p:nvPr>
+            <p:ph type="sldNum" sz="quarter" idx="10"/>
+          </p:nvPr>
+        </p:nvSpPr>
+        <p:spPr/>
+        <p:txBody>
+          <a:bodyPr/>
+          <a:lstStyle/>
+          <a:p>
+            <a:fld id="{2D8A47E9-43C9-0F4F-9379-1746571B2494}" type="slidenum">
+              <a:rPr lang="en-US" smtClean="0"/>
+              <a:t>6</a:t>
             </a:fld>
             <a:endParaRPr lang="en-US"/>
           </a:p>
@@ -15594,91 +15764,206 @@
             <a:pPr algn="l"/>
             <a:r>
               <a:rPr lang="en-US" smtClean="0"/>
+              <a:t>Define States</a:t>
+            </a:r>
+            <a:endParaRPr lang="en-US" dirty="0"/>
+          </a:p>
+        </p:txBody>
+      </p:sp>
+      <p:pic>
+        <p:nvPicPr>
+          <p:cNvPr id="3074" name="Picture 2"/>
+          <p:cNvPicPr>
+            <a:picLocks noChangeAspect="1" noChangeArrowheads="1"/>
+          </p:cNvPicPr>
+          <p:nvPr/>
+        </p:nvPicPr>
+        <p:blipFill>
+          <a:blip r:embed="rId3">
+            <a:extLst>
+              <a:ext uri="{28A0092B-C50C-407E-A947-70E740481C1C}">
+                <a14:useLocalDpi xmlns:a14="http://schemas.microsoft.com/office/drawing/2010/main" val="0"/>
+              </a:ext>
+            </a:extLst>
+          </a:blip>
+          <a:srcRect/>
+          <a:stretch>
+            <a:fillRect/>
+          </a:stretch>
+        </p:blipFill>
+        <p:spPr bwMode="auto">
+          <a:xfrm>
+            <a:off x="616047" y="2139950"/>
+            <a:ext cx="5710108" cy="3884119"/>
+          </a:xfrm>
+          <a:prstGeom prst="rect">
+            <a:avLst/>
+          </a:prstGeom>
+          <a:noFill/>
+          <a:ln>
+            <a:noFill/>
+          </a:ln>
+          <a:effectLst/>
+          <a:extLst>
+            <a:ext uri="{909E8E84-426E-40DD-AFC4-6F175D3DCCD1}">
+              <a14:hiddenFill xmlns:a14="http://schemas.microsoft.com/office/drawing/2010/main">
+                <a:solidFill>
+                  <a:schemeClr val="accent1"/>
+                </a:solidFill>
+              </a14:hiddenFill>
+            </a:ext>
+            <a:ext uri="{91240B29-F687-4F45-9708-019B960494DF}">
+              <a14:hiddenLine xmlns:a14="http://schemas.microsoft.com/office/drawing/2010/main" w="9525">
+                <a:solidFill>
+                  <a:schemeClr val="tx1"/>
+                </a:solidFill>
+                <a:miter lim="800000"/>
+                <a:headEnd/>
+                <a:tailEnd/>
+              </a14:hiddenLine>
+            </a:ext>
+            <a:ext uri="{AF507438-7753-43E0-B8FC-AC1667EBCBE1}">
+              <a14:hiddenEffects xmlns:a14="http://schemas.microsoft.com/office/drawing/2010/main">
+                <a:effectLst>
+                  <a:outerShdw dist="35921" dir="2700000" algn="ctr" rotWithShape="0">
+                    <a:schemeClr val="bg2"/>
+                  </a:outerShdw>
+                </a:effectLst>
+              </a14:hiddenEffects>
+            </a:ext>
+          </a:extLst>
+        </p:spPr>
+      </p:pic>
+    </p:spTree>
+    <p:extLst>
+      <p:ext uri="{BB962C8B-B14F-4D97-AF65-F5344CB8AC3E}">
+        <p14:creationId xmlns:p14="http://schemas.microsoft.com/office/powerpoint/2010/main" val="2845128240"/>
+      </p:ext>
+    </p:extLst>
+  </p:cSld>
+  <p:clrMapOvr>
+    <a:masterClrMapping/>
+  </p:clrMapOvr>
+  <p:timing>
+    <p:tnLst>
+      <p:par>
+        <p:cTn id="1" dur="indefinite" restart="never" nodeType="tmRoot"/>
+      </p:par>
+    </p:tnLst>
+  </p:timing>
+</p:sld>
+</file>
+
+<file path=ppt/slides/slide5.xml><?xml version="1.0" encoding="utf-8"?>
+<p:sld xmlns:a="http://schemas.openxmlformats.org/drawingml/2006/main" xmlns:r="http://schemas.openxmlformats.org/officeDocument/2006/relationships" xmlns:p="http://schemas.openxmlformats.org/presentationml/2006/main">
+  <p:cSld>
+    <p:spTree>
+      <p:nvGrpSpPr>
+        <p:cNvPr id="1" name=""/>
+        <p:cNvGrpSpPr/>
+        <p:nvPr/>
+      </p:nvGrpSpPr>
+      <p:grpSpPr>
+        <a:xfrm>
+          <a:off x="0" y="0"/>
+          <a:ext cx="0" cy="0"/>
+          <a:chOff x="0" y="0"/>
+          <a:chExt cx="0" cy="0"/>
+        </a:xfrm>
+      </p:grpSpPr>
+      <p:sp>
+        <p:nvSpPr>
+          <p:cNvPr id="2" name="Title 1"/>
+          <p:cNvSpPr>
+            <a:spLocks noGrp="1"/>
+          </p:cNvSpPr>
+          <p:nvPr>
+            <p:ph type="title"/>
+          </p:nvPr>
+        </p:nvSpPr>
+        <p:spPr>
+          <a:xfrm>
+            <a:off x="251586" y="244158"/>
+            <a:ext cx="8637831" cy="1339850"/>
+          </a:xfrm>
+        </p:spPr>
+        <p:txBody>
+          <a:bodyPr anchor="t"/>
+          <a:lstStyle/>
+          <a:p>
+            <a:pPr algn="l"/>
+            <a:r>
+              <a:rPr lang="en-US" smtClean="0"/>
               <a:t>State Machine</a:t>
             </a:r>
             <a:endParaRPr lang="en-US" dirty="0"/>
           </a:p>
         </p:txBody>
       </p:sp>
-      <p:sp>
-        <p:nvSpPr>
-          <p:cNvPr id="5" name="Rectangle 4"/>
-          <p:cNvSpPr/>
+      <p:pic>
+        <p:nvPicPr>
+          <p:cNvPr id="1026" name="Picture 2"/>
+          <p:cNvPicPr>
+            <a:picLocks noChangeAspect="1" noChangeArrowheads="1"/>
+          </p:cNvPicPr>
           <p:nvPr/>
-        </p:nvSpPr>
-        <p:spPr>
+        </p:nvPicPr>
+        <p:blipFill>
+          <a:blip r:embed="rId3">
+            <a:extLst>
+              <a:ext uri="{28A0092B-C50C-407E-A947-70E740481C1C}">
+                <a14:useLocalDpi xmlns:a14="http://schemas.microsoft.com/office/drawing/2010/main" val="0"/>
+              </a:ext>
+            </a:extLst>
+          </a:blip>
+          <a:srcRect/>
+          <a:stretch>
+            <a:fillRect/>
+          </a:stretch>
+        </p:blipFill>
+        <p:spPr bwMode="auto">
           <a:xfrm>
-            <a:off x="519404" y="2620552"/>
-            <a:ext cx="8223380" cy="3046988"/>
+            <a:off x="543022" y="2483238"/>
+            <a:ext cx="4846637" cy="3681413"/>
           </a:xfrm>
           <a:prstGeom prst="rect">
             <a:avLst/>
           </a:prstGeom>
+          <a:noFill/>
+          <a:ln>
+            <a:noFill/>
+          </a:ln>
+          <a:effectLst/>
+          <a:extLst>
+            <a:ext uri="{909E8E84-426E-40DD-AFC4-6F175D3DCCD1}">
+              <a14:hiddenFill xmlns:a14="http://schemas.microsoft.com/office/drawing/2010/main">
+                <a:solidFill>
+                  <a:schemeClr val="accent1"/>
+                </a:solidFill>
+              </a14:hiddenFill>
+            </a:ext>
+            <a:ext uri="{91240B29-F687-4F45-9708-019B960494DF}">
+              <a14:hiddenLine xmlns:a14="http://schemas.microsoft.com/office/drawing/2010/main" w="9525">
+                <a:solidFill>
+                  <a:schemeClr val="tx1"/>
+                </a:solidFill>
+                <a:miter lim="800000"/>
+                <a:headEnd/>
+                <a:tailEnd/>
+              </a14:hiddenLine>
+            </a:ext>
+            <a:ext uri="{AF507438-7753-43E0-B8FC-AC1667EBCBE1}">
+              <a14:hiddenEffects xmlns:a14="http://schemas.microsoft.com/office/drawing/2010/main">
+                <a:effectLst>
+                  <a:outerShdw dist="35921" dir="2700000" algn="ctr" rotWithShape="0">
+                    <a:schemeClr val="bg2"/>
+                  </a:outerShdw>
+                </a:effectLst>
+              </a14:hiddenEffects>
+            </a:ext>
+          </a:extLst>
         </p:spPr>
-        <p:txBody>
-          <a:bodyPr wrap="square">
-            <a:spAutoFit/>
-          </a:bodyPr>
-          <a:lstStyle/>
-          <a:p>
-            <a:pPr lvl="0"/>
-            <a:r>
-              <a:rPr lang="en-US" sz="3200" smtClean="0">
-                <a:latin typeface="Lucida Sans" panose="020B0602030504020204" pitchFamily="34" charset="0"/>
-              </a:rPr>
-              <a:t>State_machine</a:t>
-            </a:r>
-          </a:p>
-          <a:p>
-            <a:pPr marL="457200" lvl="0" indent="-457200">
-              <a:buFont typeface="Arial" panose="020B0604020202020204" pitchFamily="34" charset="0"/>
-              <a:buChar char="•"/>
-            </a:pPr>
-            <a:r>
-              <a:rPr lang="en-US" sz="3200">
-                <a:latin typeface="Lucida Sans" panose="020B0602030504020204" pitchFamily="34" charset="0"/>
-              </a:rPr>
-              <a:t>P</a:t>
-            </a:r>
-            <a:r>
-              <a:rPr lang="en-US" sz="3200" smtClean="0">
-                <a:latin typeface="Lucida Sans" panose="020B0602030504020204" pitchFamily="34" charset="0"/>
-              </a:rPr>
-              <a:t>asses arguments to components</a:t>
-            </a:r>
-          </a:p>
-          <a:p>
-            <a:pPr marL="457200" lvl="0" indent="-457200">
-              <a:buFont typeface="Arial" panose="020B0604020202020204" pitchFamily="34" charset="0"/>
-              <a:buChar char="•"/>
-            </a:pPr>
-            <a:r>
-              <a:rPr lang="en-US" sz="3200" smtClean="0">
-                <a:latin typeface="Lucida Sans" panose="020B0602030504020204" pitchFamily="34" charset="0"/>
-              </a:rPr>
-              <a:t>Receives values back from components</a:t>
-            </a:r>
-          </a:p>
-          <a:p>
-            <a:pPr marL="457200" lvl="0" indent="-457200">
-              <a:buFont typeface="Arial" panose="020B0604020202020204" pitchFamily="34" charset="0"/>
-              <a:buChar char="•"/>
-            </a:pPr>
-            <a:r>
-              <a:rPr lang="en-US" sz="3200" smtClean="0">
-                <a:latin typeface="Lucida Sans" panose="020B0602030504020204" pitchFamily="34" charset="0"/>
-              </a:rPr>
-              <a:t>Changes state when necessary</a:t>
-            </a:r>
-          </a:p>
-          <a:p>
-            <a:pPr lvl="0"/>
-            <a:endParaRPr lang="en-US" sz="3200" smtClean="0">
-              <a:latin typeface="Lucida Sans" panose="020B0602030504020204" pitchFamily="34" charset="0"/>
-            </a:endParaRPr>
-          </a:p>
-        </p:txBody>
-      </p:sp>
+      </p:pic>
     </p:spTree>
     <p:extLst>
       <p:ext uri="{BB962C8B-B14F-4D97-AF65-F5344CB8AC3E}">
@@ -15699,7 +15984,137 @@
 </p:sld>
 </file>
 
-<file path=ppt/slides/slide5.xml><?xml version="1.0" encoding="utf-8"?>
+<file path=ppt/slides/slide6.xml><?xml version="1.0" encoding="utf-8"?>
+<p:sld xmlns:a="http://schemas.openxmlformats.org/drawingml/2006/main" xmlns:r="http://schemas.openxmlformats.org/officeDocument/2006/relationships" xmlns:p="http://schemas.openxmlformats.org/presentationml/2006/main">
+  <p:cSld>
+    <p:spTree>
+      <p:nvGrpSpPr>
+        <p:cNvPr id="1" name=""/>
+        <p:cNvGrpSpPr/>
+        <p:nvPr/>
+      </p:nvGrpSpPr>
+      <p:grpSpPr>
+        <a:xfrm>
+          <a:off x="0" y="0"/>
+          <a:ext cx="0" cy="0"/>
+          <a:chOff x="0" y="0"/>
+          <a:chExt cx="0" cy="0"/>
+        </a:xfrm>
+      </p:grpSpPr>
+      <p:sp>
+        <p:nvSpPr>
+          <p:cNvPr id="2" name="Title 1"/>
+          <p:cNvSpPr>
+            <a:spLocks noGrp="1"/>
+          </p:cNvSpPr>
+          <p:nvPr>
+            <p:ph type="title"/>
+          </p:nvPr>
+        </p:nvSpPr>
+        <p:spPr>
+          <a:xfrm>
+            <a:off x="251586" y="244158"/>
+            <a:ext cx="8637831" cy="1339850"/>
+          </a:xfrm>
+        </p:spPr>
+        <p:txBody>
+          <a:bodyPr anchor="t"/>
+          <a:lstStyle/>
+          <a:p>
+            <a:pPr algn="l"/>
+            <a:r>
+              <a:rPr lang="en-US" smtClean="0"/>
+              <a:t>main()</a:t>
+            </a:r>
+            <a:endParaRPr lang="en-US" dirty="0"/>
+          </a:p>
+        </p:txBody>
+      </p:sp>
+      <p:pic>
+        <p:nvPicPr>
+          <p:cNvPr id="2051" name="Picture 3"/>
+          <p:cNvPicPr>
+            <a:picLocks noChangeAspect="1" noChangeArrowheads="1"/>
+          </p:cNvPicPr>
+          <p:nvPr/>
+        </p:nvPicPr>
+        <p:blipFill>
+          <a:blip r:embed="rId3">
+            <a:extLst>
+              <a:ext uri="{28A0092B-C50C-407E-A947-70E740481C1C}">
+                <a14:useLocalDpi xmlns:a14="http://schemas.microsoft.com/office/drawing/2010/main" val="0"/>
+              </a:ext>
+            </a:extLst>
+          </a:blip>
+          <a:srcRect/>
+          <a:stretch>
+            <a:fillRect/>
+          </a:stretch>
+        </p:blipFill>
+        <p:spPr bwMode="auto">
+          <a:xfrm>
+            <a:off x="855987" y="2278612"/>
+            <a:ext cx="6952570" cy="3972897"/>
+          </a:xfrm>
+          <a:prstGeom prst="rect">
+            <a:avLst/>
+          </a:prstGeom>
+          <a:noFill/>
+          <a:ln>
+            <a:noFill/>
+          </a:ln>
+          <a:effectLst/>
+          <a:extLst>
+            <a:ext uri="{909E8E84-426E-40DD-AFC4-6F175D3DCCD1}">
+              <a14:hiddenFill xmlns:a14="http://schemas.microsoft.com/office/drawing/2010/main">
+                <a:solidFill>
+                  <a:schemeClr val="accent1"/>
+                </a:solidFill>
+              </a14:hiddenFill>
+            </a:ext>
+            <a:ext uri="{91240B29-F687-4F45-9708-019B960494DF}">
+              <a14:hiddenLine xmlns:a14="http://schemas.microsoft.com/office/drawing/2010/main" w="9525">
+                <a:solidFill>
+                  <a:schemeClr val="tx1"/>
+                </a:solidFill>
+                <a:miter lim="800000"/>
+                <a:headEnd/>
+                <a:tailEnd/>
+              </a14:hiddenLine>
+            </a:ext>
+            <a:ext uri="{AF507438-7753-43E0-B8FC-AC1667EBCBE1}">
+              <a14:hiddenEffects xmlns:a14="http://schemas.microsoft.com/office/drawing/2010/main">
+                <a:effectLst>
+                  <a:outerShdw dist="35921" dir="2700000" algn="ctr" rotWithShape="0">
+                    <a:schemeClr val="bg2"/>
+                  </a:outerShdw>
+                </a:effectLst>
+              </a14:hiddenEffects>
+            </a:ext>
+          </a:extLst>
+        </p:spPr>
+      </p:pic>
+    </p:spTree>
+    <p:extLst>
+      <p:ext uri="{BB962C8B-B14F-4D97-AF65-F5344CB8AC3E}">
+        <p14:creationId xmlns:p14="http://schemas.microsoft.com/office/powerpoint/2010/main" val="4277043701"/>
+      </p:ext>
+    </p:extLst>
+  </p:cSld>
+  <p:clrMapOvr>
+    <a:masterClrMapping/>
+  </p:clrMapOvr>
+  <p:timing>
+    <p:tnLst>
+      <p:par>
+        <p:cTn id="1" dur="indefinite" restart="never" nodeType="tmRoot"/>
+      </p:par>
+    </p:tnLst>
+  </p:timing>
+</p:sld>
+</file>
+
+<file path=ppt/slides/slide7.xml><?xml version="1.0" encoding="utf-8"?>
 <p:sld xmlns:a="http://schemas.openxmlformats.org/drawingml/2006/main" xmlns:r="http://schemas.openxmlformats.org/officeDocument/2006/relationships" xmlns:p="http://schemas.openxmlformats.org/presentationml/2006/main">
   <p:cSld>
     <p:spTree>
@@ -15800,17 +16215,6 @@
             <a:pPr lvl="1"/>
             <a:r>
               <a:rPr lang="en-GB" smtClean="0"/>
-              <a:t>Refilling </a:t>
-            </a:r>
-            <a:r>
-              <a:rPr lang="en-GB" dirty="0" smtClean="0"/>
-              <a:t>the storage-tanks?</a:t>
-            </a:r>
-          </a:p>
-          <a:p>
-            <a:pPr lvl="1"/>
-            <a:r>
-              <a:rPr lang="en-GB" smtClean="0"/>
               <a:t>Deciding </a:t>
             </a:r>
             <a:r>
@@ -15833,16 +16237,9 @@
             <a:pPr lvl="1"/>
             <a:r>
               <a:rPr lang="en-GB" smtClean="0"/>
-              <a:t>Checking </a:t>
+              <a:t>Processing Payments?</a:t>
             </a:r>
-            <a:r>
-              <a:rPr lang="en-GB" dirty="0" smtClean="0"/>
-              <a:t>the ingredient </a:t>
-            </a:r>
-            <a:r>
-              <a:rPr lang="en-GB" smtClean="0"/>
-              <a:t>stocks?</a:t>
-            </a:r>
+            <a:endParaRPr lang="en-GB" smtClean="0"/>
           </a:p>
           <a:p>
             <a:pPr lvl="1"/>
@@ -16102,7 +16499,7 @@
 </p:sld>
 </file>
 
-<file path=ppt/slides/slide6.xml><?xml version="1.0" encoding="utf-8"?>
+<file path=ppt/slides/slide8.xml><?xml version="1.0" encoding="utf-8"?>
 <p:sld xmlns:a="http://schemas.openxmlformats.org/drawingml/2006/main" xmlns:r="http://schemas.openxmlformats.org/officeDocument/2006/relationships" xmlns:p="http://schemas.openxmlformats.org/presentationml/2006/main">
   <p:cSld>
     <p:spTree>

--- a/DG_05 Responsibilities.pptx
+++ b/DG_05 Responsibilities.pptx
@@ -116,7 +116,7 @@
   </p:defaultTextStyle>
   <p:extLst>
     <p:ext uri="{EFAFB233-063F-42B5-8137-9DF3F51BA10A}">
-      <p15:sldGuideLst xmlns:p15="http://schemas.microsoft.com/office/powerpoint/2012/main" xmlns="">
+      <p15:sldGuideLst xmlns:p15="http://schemas.microsoft.com/office/powerpoint/2012/main">
         <p15:guide id="1" orient="horz" pos="2160">
           <p15:clr>
             <a:srgbClr val="A4A3A4"/>
@@ -215,7 +215,7 @@
           <a:p>
             <a:fld id="{78C00125-7AA2-BF47-9592-BD0EA1380ED7}" type="datetimeFigureOut">
               <a:rPr lang="en-US" smtClean="0"/>
-              <a:t>5/24/2022</a:t>
+              <a:t>5/25/2022</a:t>
             </a:fld>
             <a:endParaRPr lang="en-US"/>
           </a:p>
@@ -2716,7 +2716,7 @@
             <a:fld id="{28E80666-FB37-4B36-9149-507F3B0178E3}" type="datetimeFigureOut">
               <a:rPr lang="en-US" smtClean="0"/>
               <a:pPr/>
-              <a:t>5/24/2022</a:t>
+              <a:t>5/25/2022</a:t>
             </a:fld>
             <a:endParaRPr lang="en-US"/>
           </a:p>
@@ -2898,7 +2898,7 @@
           <a:p>
             <a:fld id="{05DB9FB3-5BB2-724E-A037-6C88DDC21847}" type="datetimeFigureOut">
               <a:rPr lang="en-US" smtClean="0"/>
-              <a:t>5/24/2022</a:t>
+              <a:t>5/25/2022</a:t>
             </a:fld>
             <a:endParaRPr lang="en-US"/>
           </a:p>
@@ -3049,7 +3049,7 @@
           <a:p>
             <a:fld id="{05DB9FB3-5BB2-724E-A037-6C88DDC21847}" type="datetimeFigureOut">
               <a:rPr lang="en-US" smtClean="0"/>
-              <a:t>5/24/2022</a:t>
+              <a:t>5/25/2022</a:t>
             </a:fld>
             <a:endParaRPr lang="en-US"/>
           </a:p>
@@ -4875,7 +4875,7 @@
           <a:p>
             <a:fld id="{05DB9FB3-5BB2-724E-A037-6C88DDC21847}" type="datetimeFigureOut">
               <a:rPr lang="en-US" smtClean="0"/>
-              <a:t>5/24/2022</a:t>
+              <a:t>5/25/2022</a:t>
             </a:fld>
             <a:endParaRPr lang="en-US"/>
           </a:p>
@@ -6746,7 +6746,7 @@
             <a:fld id="{28E80666-FB37-4B36-9149-507F3B0178E3}" type="datetimeFigureOut">
               <a:rPr lang="en-US" smtClean="0"/>
               <a:pPr/>
-              <a:t>5/24/2022</a:t>
+              <a:t>5/25/2022</a:t>
             </a:fld>
             <a:endParaRPr lang="en-US"/>
           </a:p>
@@ -6860,7 +6860,7 @@
           <a:p>
             <a:fld id="{05DB9FB3-5BB2-724E-A037-6C88DDC21847}" type="datetimeFigureOut">
               <a:rPr lang="en-US" smtClean="0"/>
-              <a:t>5/24/2022</a:t>
+              <a:t>5/25/2022</a:t>
             </a:fld>
             <a:endParaRPr lang="en-US"/>
           </a:p>
@@ -7401,7 +7401,7 @@
           <a:p>
             <a:fld id="{05DB9FB3-5BB2-724E-A037-6C88DDC21847}" type="datetimeFigureOut">
               <a:rPr lang="en-US" smtClean="0"/>
-              <a:t>5/24/2022</a:t>
+              <a:t>5/25/2022</a:t>
             </a:fld>
             <a:endParaRPr lang="en-US"/>
           </a:p>
@@ -7514,7 +7514,7 @@
           <a:p>
             <a:fld id="{05DB9FB3-5BB2-724E-A037-6C88DDC21847}" type="datetimeFigureOut">
               <a:rPr lang="en-US" smtClean="0"/>
-              <a:t>5/24/2022</a:t>
+              <a:t>5/25/2022</a:t>
             </a:fld>
             <a:endParaRPr lang="en-US"/>
           </a:p>
@@ -9225,7 +9225,7 @@
           <a:p>
             <a:fld id="{05DB9FB3-5BB2-724E-A037-6C88DDC21847}" type="datetimeFigureOut">
               <a:rPr lang="en-US" smtClean="0"/>
-              <a:t>5/24/2022</a:t>
+              <a:t>5/25/2022</a:t>
             </a:fld>
             <a:endParaRPr lang="en-US"/>
           </a:p>
@@ -9376,7 +9376,7 @@
           <a:p>
             <a:fld id="{05DB9FB3-5BB2-724E-A037-6C88DDC21847}" type="datetimeFigureOut">
               <a:rPr lang="en-US" smtClean="0"/>
-              <a:t>5/24/2022</a:t>
+              <a:t>5/25/2022</a:t>
             </a:fld>
             <a:endParaRPr lang="en-US"/>
           </a:p>
@@ -12991,7 +12991,7 @@
           <a:p>
             <a:fld id="{05DB9FB3-5BB2-724E-A037-6C88DDC21847}" type="datetimeFigureOut">
               <a:rPr lang="en-US" smtClean="0"/>
-              <a:t>5/24/2022</a:t>
+              <a:t>5/25/2022</a:t>
             </a:fld>
             <a:endParaRPr lang="en-US"/>
           </a:p>
@@ -14850,7 +14850,7 @@
           <a:p>
             <a:fld id="{05DB9FB3-5BB2-724E-A037-6C88DDC21847}" type="datetimeFigureOut">
               <a:rPr lang="en-US" smtClean="0"/>
-              <a:t>5/24/2022</a:t>
+              <a:t>5/25/2022</a:t>
             </a:fld>
             <a:endParaRPr lang="en-US"/>
           </a:p>
@@ -15533,27 +15533,48 @@
           <a:p>
             <a:pPr lvl="0"/>
             <a:r>
-              <a:rPr lang="en-US" sz="2800" smtClean="0">
+              <a:rPr lang="en-US" sz="2800" dirty="0" smtClean="0">
                 <a:latin typeface="Lucida Sans" panose="020B0602030504020204" pitchFamily="34" charset="0"/>
               </a:rPr>
-              <a:t>Only coffee_machine imports other component files</a:t>
+              <a:t>Only </a:t>
             </a:r>
+            <a:r>
+              <a:rPr lang="en-US" sz="2800" dirty="0" err="1" smtClean="0">
+                <a:latin typeface="Lucida Sans" panose="020B0602030504020204" pitchFamily="34" charset="0"/>
+              </a:rPr>
+              <a:t>coffee_machine</a:t>
+            </a:r>
+            <a:r>
+              <a:rPr lang="en-US" sz="2800" dirty="0" smtClean="0">
+                <a:latin typeface="Lucida Sans" panose="020B0602030504020204" pitchFamily="34" charset="0"/>
+              </a:rPr>
+              <a:t> imports other component </a:t>
+            </a:r>
+            <a:r>
+              <a:rPr lang="en-US" sz="2800" dirty="0" smtClean="0">
+                <a:latin typeface="Lucida Sans" panose="020B0602030504020204" pitchFamily="34" charset="0"/>
+              </a:rPr>
+              <a:t>files (i.e. from other folders)</a:t>
+            </a:r>
+            <a:endParaRPr lang="en-US" sz="2800" dirty="0" smtClean="0">
+              <a:latin typeface="Lucida Sans" panose="020B0602030504020204" pitchFamily="34" charset="0"/>
+            </a:endParaRPr>
           </a:p>
           <a:p>
             <a:pPr lvl="0"/>
-            <a:endParaRPr lang="en-US" sz="2800" smtClean="0">
+            <a:endParaRPr lang="en-US" sz="2800" dirty="0" smtClean="0">
               <a:latin typeface="Lucida Sans" panose="020B0602030504020204" pitchFamily="34" charset="0"/>
             </a:endParaRPr>
           </a:p>
           <a:p>
             <a:pPr lvl="0"/>
             <a:r>
-              <a:rPr lang="en-US" sz="2800" smtClean="0">
+              <a:rPr lang="en-US" sz="2800" dirty="0" smtClean="0">
                 <a:latin typeface="Lucida Sans" panose="020B0602030504020204" pitchFamily="34" charset="0"/>
               </a:rPr>
               <a:t>Components don't talk to each other</a:t>
             </a:r>
-            <a:endParaRPr lang="en-US" sz="2800">
+            <a:endParaRPr lang="en-US" sz="2800" dirty="0">
               <a:latin typeface="Lucida Sans" panose="020B0602030504020204" pitchFamily="34" charset="0"/>
             </a:endParaRPr>
           </a:p>
@@ -16239,7 +16260,6 @@
               <a:rPr lang="en-GB" smtClean="0"/>
               <a:t>Processing Payments?</a:t>
             </a:r>
-            <a:endParaRPr lang="en-GB" smtClean="0"/>
           </a:p>
           <a:p>
             <a:pPr lvl="1"/>

--- a/DG_05 Responsibilities.pptx
+++ b/DG_05 Responsibilities.pptx
@@ -5,17 +5,20 @@
     <p:sldMasterId id="2147483739" r:id="rId1"/>
   </p:sldMasterIdLst>
   <p:notesMasterIdLst>
-    <p:notesMasterId r:id="rId10"/>
+    <p:notesMasterId r:id="rId13"/>
   </p:notesMasterIdLst>
   <p:sldIdLst>
     <p:sldId id="643" r:id="rId2"/>
     <p:sldId id="644" r:id="rId3"/>
-    <p:sldId id="648" r:id="rId4"/>
-    <p:sldId id="653" r:id="rId5"/>
-    <p:sldId id="651" r:id="rId6"/>
-    <p:sldId id="652" r:id="rId7"/>
-    <p:sldId id="649" r:id="rId8"/>
-    <p:sldId id="650" r:id="rId9"/>
+    <p:sldId id="654" r:id="rId4"/>
+    <p:sldId id="655" r:id="rId5"/>
+    <p:sldId id="656" r:id="rId6"/>
+    <p:sldId id="648" r:id="rId7"/>
+    <p:sldId id="653" r:id="rId8"/>
+    <p:sldId id="651" r:id="rId9"/>
+    <p:sldId id="652" r:id="rId10"/>
+    <p:sldId id="649" r:id="rId11"/>
+    <p:sldId id="650" r:id="rId12"/>
   </p:sldIdLst>
   <p:sldSz cx="9144000" cy="6858000" type="screen4x3"/>
   <p:notesSz cx="6858000" cy="9144000"/>
@@ -116,7 +119,7 @@
   </p:defaultTextStyle>
   <p:extLst>
     <p:ext uri="{EFAFB233-063F-42B5-8137-9DF3F51BA10A}">
-      <p15:sldGuideLst xmlns:p15="http://schemas.microsoft.com/office/powerpoint/2012/main">
+      <p15:sldGuideLst xmlns:p15="http://schemas.microsoft.com/office/powerpoint/2012/main" xmlns="">
         <p15:guide id="1" orient="horz" pos="2160">
           <p15:clr>
             <a:srgbClr val="A4A3A4"/>
@@ -885,6 +888,258 @@
             <a:fld id="{2D8A47E9-43C9-0F4F-9379-1746571B2494}" type="slidenum">
               <a:rPr lang="en-US" smtClean="0"/>
               <a:t>6</a:t>
+            </a:fld>
+            <a:endParaRPr lang="en-US"/>
+          </a:p>
+        </p:txBody>
+      </p:sp>
+    </p:spTree>
+    <p:extLst>
+      <p:ext uri="{BB962C8B-B14F-4D97-AF65-F5344CB8AC3E}">
+        <p14:creationId xmlns:p14="http://schemas.microsoft.com/office/powerpoint/2010/main" val="3988076159"/>
+      </p:ext>
+    </p:extLst>
+  </p:cSld>
+  <p:clrMapOvr>
+    <a:masterClrMapping/>
+  </p:clrMapOvr>
+</p:notes>
+</file>
+
+<file path=ppt/notesSlides/notesSlide6.xml><?xml version="1.0" encoding="utf-8"?>
+<p:notes xmlns:a="http://schemas.openxmlformats.org/drawingml/2006/main" xmlns:r="http://schemas.openxmlformats.org/officeDocument/2006/relationships" xmlns:p="http://schemas.openxmlformats.org/presentationml/2006/main">
+  <p:cSld>
+    <p:spTree>
+      <p:nvGrpSpPr>
+        <p:cNvPr id="1" name=""/>
+        <p:cNvGrpSpPr/>
+        <p:nvPr/>
+      </p:nvGrpSpPr>
+      <p:grpSpPr>
+        <a:xfrm>
+          <a:off x="0" y="0"/>
+          <a:ext cx="0" cy="0"/>
+          <a:chOff x="0" y="0"/>
+          <a:chExt cx="0" cy="0"/>
+        </a:xfrm>
+      </p:grpSpPr>
+      <p:sp>
+        <p:nvSpPr>
+          <p:cNvPr id="2" name="Slide Image Placeholder 1"/>
+          <p:cNvSpPr>
+            <a:spLocks noGrp="1" noRot="1" noChangeAspect="1"/>
+          </p:cNvSpPr>
+          <p:nvPr>
+            <p:ph type="sldImg"/>
+          </p:nvPr>
+        </p:nvSpPr>
+        <p:spPr/>
+      </p:sp>
+      <p:sp>
+        <p:nvSpPr>
+          <p:cNvPr id="3" name="Notes Placeholder 2"/>
+          <p:cNvSpPr>
+            <a:spLocks noGrp="1"/>
+          </p:cNvSpPr>
+          <p:nvPr>
+            <p:ph type="body" idx="1"/>
+          </p:nvPr>
+        </p:nvSpPr>
+        <p:spPr/>
+        <p:txBody>
+          <a:bodyPr/>
+          <a:lstStyle/>
+          <a:p>
+            <a:endParaRPr lang="en-US" dirty="0"/>
+          </a:p>
+        </p:txBody>
+      </p:sp>
+      <p:sp>
+        <p:nvSpPr>
+          <p:cNvPr id="4" name="Slide Number Placeholder 3"/>
+          <p:cNvSpPr>
+            <a:spLocks noGrp="1"/>
+          </p:cNvSpPr>
+          <p:nvPr>
+            <p:ph type="sldNum" sz="quarter" idx="10"/>
+          </p:nvPr>
+        </p:nvSpPr>
+        <p:spPr/>
+        <p:txBody>
+          <a:bodyPr/>
+          <a:lstStyle/>
+          <a:p>
+            <a:fld id="{2D8A47E9-43C9-0F4F-9379-1746571B2494}" type="slidenum">
+              <a:rPr lang="en-US" smtClean="0"/>
+              <a:t>7</a:t>
+            </a:fld>
+            <a:endParaRPr lang="en-US"/>
+          </a:p>
+        </p:txBody>
+      </p:sp>
+    </p:spTree>
+    <p:extLst>
+      <p:ext uri="{BB962C8B-B14F-4D97-AF65-F5344CB8AC3E}">
+        <p14:creationId xmlns:p14="http://schemas.microsoft.com/office/powerpoint/2010/main" val="3988076159"/>
+      </p:ext>
+    </p:extLst>
+  </p:cSld>
+  <p:clrMapOvr>
+    <a:masterClrMapping/>
+  </p:clrMapOvr>
+</p:notes>
+</file>
+
+<file path=ppt/notesSlides/notesSlide7.xml><?xml version="1.0" encoding="utf-8"?>
+<p:notes xmlns:a="http://schemas.openxmlformats.org/drawingml/2006/main" xmlns:r="http://schemas.openxmlformats.org/officeDocument/2006/relationships" xmlns:p="http://schemas.openxmlformats.org/presentationml/2006/main">
+  <p:cSld>
+    <p:spTree>
+      <p:nvGrpSpPr>
+        <p:cNvPr id="1" name=""/>
+        <p:cNvGrpSpPr/>
+        <p:nvPr/>
+      </p:nvGrpSpPr>
+      <p:grpSpPr>
+        <a:xfrm>
+          <a:off x="0" y="0"/>
+          <a:ext cx="0" cy="0"/>
+          <a:chOff x="0" y="0"/>
+          <a:chExt cx="0" cy="0"/>
+        </a:xfrm>
+      </p:grpSpPr>
+      <p:sp>
+        <p:nvSpPr>
+          <p:cNvPr id="2" name="Slide Image Placeholder 1"/>
+          <p:cNvSpPr>
+            <a:spLocks noGrp="1" noRot="1" noChangeAspect="1"/>
+          </p:cNvSpPr>
+          <p:nvPr>
+            <p:ph type="sldImg"/>
+          </p:nvPr>
+        </p:nvSpPr>
+        <p:spPr/>
+      </p:sp>
+      <p:sp>
+        <p:nvSpPr>
+          <p:cNvPr id="3" name="Notes Placeholder 2"/>
+          <p:cNvSpPr>
+            <a:spLocks noGrp="1"/>
+          </p:cNvSpPr>
+          <p:nvPr>
+            <p:ph type="body" idx="1"/>
+          </p:nvPr>
+        </p:nvSpPr>
+        <p:spPr/>
+        <p:txBody>
+          <a:bodyPr/>
+          <a:lstStyle/>
+          <a:p>
+            <a:endParaRPr lang="en-US" dirty="0"/>
+          </a:p>
+        </p:txBody>
+      </p:sp>
+      <p:sp>
+        <p:nvSpPr>
+          <p:cNvPr id="4" name="Slide Number Placeholder 3"/>
+          <p:cNvSpPr>
+            <a:spLocks noGrp="1"/>
+          </p:cNvSpPr>
+          <p:nvPr>
+            <p:ph type="sldNum" sz="quarter" idx="10"/>
+          </p:nvPr>
+        </p:nvSpPr>
+        <p:spPr/>
+        <p:txBody>
+          <a:bodyPr/>
+          <a:lstStyle/>
+          <a:p>
+            <a:fld id="{2D8A47E9-43C9-0F4F-9379-1746571B2494}" type="slidenum">
+              <a:rPr lang="en-US" smtClean="0"/>
+              <a:t>8</a:t>
+            </a:fld>
+            <a:endParaRPr lang="en-US"/>
+          </a:p>
+        </p:txBody>
+      </p:sp>
+    </p:spTree>
+    <p:extLst>
+      <p:ext uri="{BB962C8B-B14F-4D97-AF65-F5344CB8AC3E}">
+        <p14:creationId xmlns:p14="http://schemas.microsoft.com/office/powerpoint/2010/main" val="3988076159"/>
+      </p:ext>
+    </p:extLst>
+  </p:cSld>
+  <p:clrMapOvr>
+    <a:masterClrMapping/>
+  </p:clrMapOvr>
+</p:notes>
+</file>
+
+<file path=ppt/notesSlides/notesSlide8.xml><?xml version="1.0" encoding="utf-8"?>
+<p:notes xmlns:a="http://schemas.openxmlformats.org/drawingml/2006/main" xmlns:r="http://schemas.openxmlformats.org/officeDocument/2006/relationships" xmlns:p="http://schemas.openxmlformats.org/presentationml/2006/main">
+  <p:cSld>
+    <p:spTree>
+      <p:nvGrpSpPr>
+        <p:cNvPr id="1" name=""/>
+        <p:cNvGrpSpPr/>
+        <p:nvPr/>
+      </p:nvGrpSpPr>
+      <p:grpSpPr>
+        <a:xfrm>
+          <a:off x="0" y="0"/>
+          <a:ext cx="0" cy="0"/>
+          <a:chOff x="0" y="0"/>
+          <a:chExt cx="0" cy="0"/>
+        </a:xfrm>
+      </p:grpSpPr>
+      <p:sp>
+        <p:nvSpPr>
+          <p:cNvPr id="2" name="Slide Image Placeholder 1"/>
+          <p:cNvSpPr>
+            <a:spLocks noGrp="1" noRot="1" noChangeAspect="1"/>
+          </p:cNvSpPr>
+          <p:nvPr>
+            <p:ph type="sldImg"/>
+          </p:nvPr>
+        </p:nvSpPr>
+        <p:spPr/>
+      </p:sp>
+      <p:sp>
+        <p:nvSpPr>
+          <p:cNvPr id="3" name="Notes Placeholder 2"/>
+          <p:cNvSpPr>
+            <a:spLocks noGrp="1"/>
+          </p:cNvSpPr>
+          <p:nvPr>
+            <p:ph type="body" idx="1"/>
+          </p:nvPr>
+        </p:nvSpPr>
+        <p:spPr/>
+        <p:txBody>
+          <a:bodyPr/>
+          <a:lstStyle/>
+          <a:p>
+            <a:endParaRPr lang="en-US" dirty="0"/>
+          </a:p>
+        </p:txBody>
+      </p:sp>
+      <p:sp>
+        <p:nvSpPr>
+          <p:cNvPr id="4" name="Slide Number Placeholder 3"/>
+          <p:cNvSpPr>
+            <a:spLocks noGrp="1"/>
+          </p:cNvSpPr>
+          <p:nvPr>
+            <p:ph type="sldNum" sz="quarter" idx="10"/>
+          </p:nvPr>
+        </p:nvSpPr>
+        <p:spPr/>
+        <p:txBody>
+          <a:bodyPr/>
+          <a:lstStyle/>
+          <a:p>
+            <a:fld id="{2D8A47E9-43C9-0F4F-9379-1746571B2494}" type="slidenum">
+              <a:rPr lang="en-US" smtClean="0"/>
+              <a:t>9</a:t>
             </a:fld>
             <a:endParaRPr lang="en-US"/>
           </a:p>
@@ -15464,678 +15719,7 @@
 </p:sld>
 </file>
 
-<file path=ppt/slides/slide2.xml><?xml version="1.0" encoding="utf-8"?>
-<p:sld xmlns:a="http://schemas.openxmlformats.org/drawingml/2006/main" xmlns:r="http://schemas.openxmlformats.org/officeDocument/2006/relationships" xmlns:p="http://schemas.openxmlformats.org/presentationml/2006/main">
-  <p:cSld>
-    <p:spTree>
-      <p:nvGrpSpPr>
-        <p:cNvPr id="1" name=""/>
-        <p:cNvGrpSpPr/>
-        <p:nvPr/>
-      </p:nvGrpSpPr>
-      <p:grpSpPr>
-        <a:xfrm>
-          <a:off x="0" y="0"/>
-          <a:ext cx="0" cy="0"/>
-          <a:chOff x="0" y="0"/>
-          <a:chExt cx="0" cy="0"/>
-        </a:xfrm>
-      </p:grpSpPr>
-      <p:sp>
-        <p:nvSpPr>
-          <p:cNvPr id="2" name="Title 1"/>
-          <p:cNvSpPr>
-            <a:spLocks noGrp="1"/>
-          </p:cNvSpPr>
-          <p:nvPr>
-            <p:ph type="title"/>
-          </p:nvPr>
-        </p:nvSpPr>
-        <p:spPr>
-          <a:xfrm>
-            <a:off x="251586" y="244158"/>
-            <a:ext cx="8637831" cy="1339850"/>
-          </a:xfrm>
-        </p:spPr>
-        <p:txBody>
-          <a:bodyPr anchor="t"/>
-          <a:lstStyle/>
-          <a:p>
-            <a:pPr algn="l"/>
-            <a:r>
-              <a:rPr lang="en-US" smtClean="0"/>
-              <a:t>Independent components</a:t>
-            </a:r>
-            <a:endParaRPr lang="en-US" dirty="0"/>
-          </a:p>
-        </p:txBody>
-      </p:sp>
-      <p:sp>
-        <p:nvSpPr>
-          <p:cNvPr id="5" name="Rectangle 4"/>
-          <p:cNvSpPr/>
-          <p:nvPr/>
-        </p:nvSpPr>
-        <p:spPr>
-          <a:xfrm>
-            <a:off x="407436" y="2704528"/>
-            <a:ext cx="7786331" cy="1815882"/>
-          </a:xfrm>
-          <a:prstGeom prst="rect">
-            <a:avLst/>
-          </a:prstGeom>
-        </p:spPr>
-        <p:txBody>
-          <a:bodyPr wrap="square">
-            <a:spAutoFit/>
-          </a:bodyPr>
-          <a:lstStyle/>
-          <a:p>
-            <a:pPr lvl="0"/>
-            <a:r>
-              <a:rPr lang="en-US" sz="2800" dirty="0" smtClean="0">
-                <a:latin typeface="Lucida Sans" panose="020B0602030504020204" pitchFamily="34" charset="0"/>
-              </a:rPr>
-              <a:t>Only </a:t>
-            </a:r>
-            <a:r>
-              <a:rPr lang="en-US" sz="2800" dirty="0" err="1" smtClean="0">
-                <a:latin typeface="Lucida Sans" panose="020B0602030504020204" pitchFamily="34" charset="0"/>
-              </a:rPr>
-              <a:t>coffee_machine</a:t>
-            </a:r>
-            <a:r>
-              <a:rPr lang="en-US" sz="2800" dirty="0" smtClean="0">
-                <a:latin typeface="Lucida Sans" panose="020B0602030504020204" pitchFamily="34" charset="0"/>
-              </a:rPr>
-              <a:t> imports other component </a:t>
-            </a:r>
-            <a:r>
-              <a:rPr lang="en-US" sz="2800" dirty="0" smtClean="0">
-                <a:latin typeface="Lucida Sans" panose="020B0602030504020204" pitchFamily="34" charset="0"/>
-              </a:rPr>
-              <a:t>files (i.e. from other folders)</a:t>
-            </a:r>
-            <a:endParaRPr lang="en-US" sz="2800" dirty="0" smtClean="0">
-              <a:latin typeface="Lucida Sans" panose="020B0602030504020204" pitchFamily="34" charset="0"/>
-            </a:endParaRPr>
-          </a:p>
-          <a:p>
-            <a:pPr lvl="0"/>
-            <a:endParaRPr lang="en-US" sz="2800" dirty="0" smtClean="0">
-              <a:latin typeface="Lucida Sans" panose="020B0602030504020204" pitchFamily="34" charset="0"/>
-            </a:endParaRPr>
-          </a:p>
-          <a:p>
-            <a:pPr lvl="0"/>
-            <a:r>
-              <a:rPr lang="en-US" sz="2800" dirty="0" smtClean="0">
-                <a:latin typeface="Lucida Sans" panose="020B0602030504020204" pitchFamily="34" charset="0"/>
-              </a:rPr>
-              <a:t>Components don't talk to each other</a:t>
-            </a:r>
-            <a:endParaRPr lang="en-US" sz="2800" dirty="0">
-              <a:latin typeface="Lucida Sans" panose="020B0602030504020204" pitchFamily="34" charset="0"/>
-            </a:endParaRPr>
-          </a:p>
-        </p:txBody>
-      </p:sp>
-    </p:spTree>
-    <p:extLst>
-      <p:ext uri="{BB962C8B-B14F-4D97-AF65-F5344CB8AC3E}">
-        <p14:creationId xmlns:p14="http://schemas.microsoft.com/office/powerpoint/2010/main" val="184622729"/>
-      </p:ext>
-    </p:extLst>
-  </p:cSld>
-  <p:clrMapOvr>
-    <a:masterClrMapping/>
-  </p:clrMapOvr>
-  <p:timing>
-    <p:tnLst>
-      <p:par>
-        <p:cTn id="1" dur="indefinite" restart="never" nodeType="tmRoot"/>
-      </p:par>
-    </p:tnLst>
-  </p:timing>
-</p:sld>
-</file>
-
-<file path=ppt/slides/slide3.xml><?xml version="1.0" encoding="utf-8"?>
-<p:sld xmlns:a="http://schemas.openxmlformats.org/drawingml/2006/main" xmlns:r="http://schemas.openxmlformats.org/officeDocument/2006/relationships" xmlns:p="http://schemas.openxmlformats.org/presentationml/2006/main">
-  <p:cSld>
-    <p:spTree>
-      <p:nvGrpSpPr>
-        <p:cNvPr id="1" name=""/>
-        <p:cNvGrpSpPr/>
-        <p:nvPr/>
-      </p:nvGrpSpPr>
-      <p:grpSpPr>
-        <a:xfrm>
-          <a:off x="0" y="0"/>
-          <a:ext cx="0" cy="0"/>
-          <a:chOff x="0" y="0"/>
-          <a:chExt cx="0" cy="0"/>
-        </a:xfrm>
-      </p:grpSpPr>
-      <p:sp>
-        <p:nvSpPr>
-          <p:cNvPr id="2" name="Title 1"/>
-          <p:cNvSpPr>
-            <a:spLocks noGrp="1"/>
-          </p:cNvSpPr>
-          <p:nvPr>
-            <p:ph type="title"/>
-          </p:nvPr>
-        </p:nvSpPr>
-        <p:spPr>
-          <a:xfrm>
-            <a:off x="251586" y="244158"/>
-            <a:ext cx="8637831" cy="1339850"/>
-          </a:xfrm>
-        </p:spPr>
-        <p:txBody>
-          <a:bodyPr anchor="t"/>
-          <a:lstStyle/>
-          <a:p>
-            <a:pPr algn="l"/>
-            <a:r>
-              <a:rPr lang="en-US" smtClean="0"/>
-              <a:t>Passing Messages</a:t>
-            </a:r>
-            <a:endParaRPr lang="en-US" dirty="0"/>
-          </a:p>
-        </p:txBody>
-      </p:sp>
-      <p:sp>
-        <p:nvSpPr>
-          <p:cNvPr id="5" name="Rectangle 4"/>
-          <p:cNvSpPr/>
-          <p:nvPr/>
-        </p:nvSpPr>
-        <p:spPr>
-          <a:xfrm>
-            <a:off x="519404" y="2620552"/>
-            <a:ext cx="8223380" cy="3046988"/>
-          </a:xfrm>
-          <a:prstGeom prst="rect">
-            <a:avLst/>
-          </a:prstGeom>
-        </p:spPr>
-        <p:txBody>
-          <a:bodyPr wrap="square">
-            <a:spAutoFit/>
-          </a:bodyPr>
-          <a:lstStyle/>
-          <a:p>
-            <a:pPr lvl="0"/>
-            <a:r>
-              <a:rPr lang="en-US" sz="3200" smtClean="0">
-                <a:latin typeface="Lucida Sans" panose="020B0602030504020204" pitchFamily="34" charset="0"/>
-              </a:rPr>
-              <a:t>State_machine</a:t>
-            </a:r>
-          </a:p>
-          <a:p>
-            <a:pPr marL="457200" lvl="0" indent="-457200">
-              <a:buFont typeface="Arial" panose="020B0604020202020204" pitchFamily="34" charset="0"/>
-              <a:buChar char="•"/>
-            </a:pPr>
-            <a:r>
-              <a:rPr lang="en-US" sz="3200">
-                <a:latin typeface="Lucida Sans" panose="020B0602030504020204" pitchFamily="34" charset="0"/>
-              </a:rPr>
-              <a:t>P</a:t>
-            </a:r>
-            <a:r>
-              <a:rPr lang="en-US" sz="3200" smtClean="0">
-                <a:latin typeface="Lucida Sans" panose="020B0602030504020204" pitchFamily="34" charset="0"/>
-              </a:rPr>
-              <a:t>asses arguments to components</a:t>
-            </a:r>
-          </a:p>
-          <a:p>
-            <a:pPr marL="457200" lvl="0" indent="-457200">
-              <a:buFont typeface="Arial" panose="020B0604020202020204" pitchFamily="34" charset="0"/>
-              <a:buChar char="•"/>
-            </a:pPr>
-            <a:r>
-              <a:rPr lang="en-US" sz="3200" smtClean="0">
-                <a:latin typeface="Lucida Sans" panose="020B0602030504020204" pitchFamily="34" charset="0"/>
-              </a:rPr>
-              <a:t>Receives values back from components</a:t>
-            </a:r>
-          </a:p>
-          <a:p>
-            <a:pPr marL="457200" lvl="0" indent="-457200">
-              <a:buFont typeface="Arial" panose="020B0604020202020204" pitchFamily="34" charset="0"/>
-              <a:buChar char="•"/>
-            </a:pPr>
-            <a:r>
-              <a:rPr lang="en-US" sz="3200" smtClean="0">
-                <a:latin typeface="Lucida Sans" panose="020B0602030504020204" pitchFamily="34" charset="0"/>
-              </a:rPr>
-              <a:t>Changes state when necessary</a:t>
-            </a:r>
-          </a:p>
-          <a:p>
-            <a:pPr lvl="0"/>
-            <a:endParaRPr lang="en-US" sz="3200" smtClean="0">
-              <a:latin typeface="Lucida Sans" panose="020B0602030504020204" pitchFamily="34" charset="0"/>
-            </a:endParaRPr>
-          </a:p>
-        </p:txBody>
-      </p:sp>
-    </p:spTree>
-    <p:extLst>
-      <p:ext uri="{BB962C8B-B14F-4D97-AF65-F5344CB8AC3E}">
-        <p14:creationId xmlns:p14="http://schemas.microsoft.com/office/powerpoint/2010/main" val="2479767884"/>
-      </p:ext>
-    </p:extLst>
-  </p:cSld>
-  <p:clrMapOvr>
-    <a:masterClrMapping/>
-  </p:clrMapOvr>
-  <p:timing>
-    <p:tnLst>
-      <p:par>
-        <p:cTn id="1" dur="indefinite" restart="never" nodeType="tmRoot"/>
-      </p:par>
-    </p:tnLst>
-  </p:timing>
-</p:sld>
-</file>
-
-<file path=ppt/slides/slide4.xml><?xml version="1.0" encoding="utf-8"?>
-<p:sld xmlns:a="http://schemas.openxmlformats.org/drawingml/2006/main" xmlns:r="http://schemas.openxmlformats.org/officeDocument/2006/relationships" xmlns:p="http://schemas.openxmlformats.org/presentationml/2006/main">
-  <p:cSld>
-    <p:spTree>
-      <p:nvGrpSpPr>
-        <p:cNvPr id="1" name=""/>
-        <p:cNvGrpSpPr/>
-        <p:nvPr/>
-      </p:nvGrpSpPr>
-      <p:grpSpPr>
-        <a:xfrm>
-          <a:off x="0" y="0"/>
-          <a:ext cx="0" cy="0"/>
-          <a:chOff x="0" y="0"/>
-          <a:chExt cx="0" cy="0"/>
-        </a:xfrm>
-      </p:grpSpPr>
-      <p:sp>
-        <p:nvSpPr>
-          <p:cNvPr id="2" name="Title 1"/>
-          <p:cNvSpPr>
-            <a:spLocks noGrp="1"/>
-          </p:cNvSpPr>
-          <p:nvPr>
-            <p:ph type="title"/>
-          </p:nvPr>
-        </p:nvSpPr>
-        <p:spPr>
-          <a:xfrm>
-            <a:off x="251586" y="244158"/>
-            <a:ext cx="8637831" cy="1339850"/>
-          </a:xfrm>
-        </p:spPr>
-        <p:txBody>
-          <a:bodyPr anchor="t"/>
-          <a:lstStyle/>
-          <a:p>
-            <a:pPr algn="l"/>
-            <a:r>
-              <a:rPr lang="en-US" smtClean="0"/>
-              <a:t>Define States</a:t>
-            </a:r>
-            <a:endParaRPr lang="en-US" dirty="0"/>
-          </a:p>
-        </p:txBody>
-      </p:sp>
-      <p:pic>
-        <p:nvPicPr>
-          <p:cNvPr id="3074" name="Picture 2"/>
-          <p:cNvPicPr>
-            <a:picLocks noChangeAspect="1" noChangeArrowheads="1"/>
-          </p:cNvPicPr>
-          <p:nvPr/>
-        </p:nvPicPr>
-        <p:blipFill>
-          <a:blip r:embed="rId3">
-            <a:extLst>
-              <a:ext uri="{28A0092B-C50C-407E-A947-70E740481C1C}">
-                <a14:useLocalDpi xmlns:a14="http://schemas.microsoft.com/office/drawing/2010/main" val="0"/>
-              </a:ext>
-            </a:extLst>
-          </a:blip>
-          <a:srcRect/>
-          <a:stretch>
-            <a:fillRect/>
-          </a:stretch>
-        </p:blipFill>
-        <p:spPr bwMode="auto">
-          <a:xfrm>
-            <a:off x="616047" y="2139950"/>
-            <a:ext cx="5710108" cy="3884119"/>
-          </a:xfrm>
-          <a:prstGeom prst="rect">
-            <a:avLst/>
-          </a:prstGeom>
-          <a:noFill/>
-          <a:ln>
-            <a:noFill/>
-          </a:ln>
-          <a:effectLst/>
-          <a:extLst>
-            <a:ext uri="{909E8E84-426E-40DD-AFC4-6F175D3DCCD1}">
-              <a14:hiddenFill xmlns:a14="http://schemas.microsoft.com/office/drawing/2010/main">
-                <a:solidFill>
-                  <a:schemeClr val="accent1"/>
-                </a:solidFill>
-              </a14:hiddenFill>
-            </a:ext>
-            <a:ext uri="{91240B29-F687-4F45-9708-019B960494DF}">
-              <a14:hiddenLine xmlns:a14="http://schemas.microsoft.com/office/drawing/2010/main" w="9525">
-                <a:solidFill>
-                  <a:schemeClr val="tx1"/>
-                </a:solidFill>
-                <a:miter lim="800000"/>
-                <a:headEnd/>
-                <a:tailEnd/>
-              </a14:hiddenLine>
-            </a:ext>
-            <a:ext uri="{AF507438-7753-43E0-B8FC-AC1667EBCBE1}">
-              <a14:hiddenEffects xmlns:a14="http://schemas.microsoft.com/office/drawing/2010/main">
-                <a:effectLst>
-                  <a:outerShdw dist="35921" dir="2700000" algn="ctr" rotWithShape="0">
-                    <a:schemeClr val="bg2"/>
-                  </a:outerShdw>
-                </a:effectLst>
-              </a14:hiddenEffects>
-            </a:ext>
-          </a:extLst>
-        </p:spPr>
-      </p:pic>
-    </p:spTree>
-    <p:extLst>
-      <p:ext uri="{BB962C8B-B14F-4D97-AF65-F5344CB8AC3E}">
-        <p14:creationId xmlns:p14="http://schemas.microsoft.com/office/powerpoint/2010/main" val="2845128240"/>
-      </p:ext>
-    </p:extLst>
-  </p:cSld>
-  <p:clrMapOvr>
-    <a:masterClrMapping/>
-  </p:clrMapOvr>
-  <p:timing>
-    <p:tnLst>
-      <p:par>
-        <p:cTn id="1" dur="indefinite" restart="never" nodeType="tmRoot"/>
-      </p:par>
-    </p:tnLst>
-  </p:timing>
-</p:sld>
-</file>
-
-<file path=ppt/slides/slide5.xml><?xml version="1.0" encoding="utf-8"?>
-<p:sld xmlns:a="http://schemas.openxmlformats.org/drawingml/2006/main" xmlns:r="http://schemas.openxmlformats.org/officeDocument/2006/relationships" xmlns:p="http://schemas.openxmlformats.org/presentationml/2006/main">
-  <p:cSld>
-    <p:spTree>
-      <p:nvGrpSpPr>
-        <p:cNvPr id="1" name=""/>
-        <p:cNvGrpSpPr/>
-        <p:nvPr/>
-      </p:nvGrpSpPr>
-      <p:grpSpPr>
-        <a:xfrm>
-          <a:off x="0" y="0"/>
-          <a:ext cx="0" cy="0"/>
-          <a:chOff x="0" y="0"/>
-          <a:chExt cx="0" cy="0"/>
-        </a:xfrm>
-      </p:grpSpPr>
-      <p:sp>
-        <p:nvSpPr>
-          <p:cNvPr id="2" name="Title 1"/>
-          <p:cNvSpPr>
-            <a:spLocks noGrp="1"/>
-          </p:cNvSpPr>
-          <p:nvPr>
-            <p:ph type="title"/>
-          </p:nvPr>
-        </p:nvSpPr>
-        <p:spPr>
-          <a:xfrm>
-            <a:off x="251586" y="244158"/>
-            <a:ext cx="8637831" cy="1339850"/>
-          </a:xfrm>
-        </p:spPr>
-        <p:txBody>
-          <a:bodyPr anchor="t"/>
-          <a:lstStyle/>
-          <a:p>
-            <a:pPr algn="l"/>
-            <a:r>
-              <a:rPr lang="en-US" smtClean="0"/>
-              <a:t>State Machine</a:t>
-            </a:r>
-            <a:endParaRPr lang="en-US" dirty="0"/>
-          </a:p>
-        </p:txBody>
-      </p:sp>
-      <p:pic>
-        <p:nvPicPr>
-          <p:cNvPr id="1026" name="Picture 2"/>
-          <p:cNvPicPr>
-            <a:picLocks noChangeAspect="1" noChangeArrowheads="1"/>
-          </p:cNvPicPr>
-          <p:nvPr/>
-        </p:nvPicPr>
-        <p:blipFill>
-          <a:blip r:embed="rId3">
-            <a:extLst>
-              <a:ext uri="{28A0092B-C50C-407E-A947-70E740481C1C}">
-                <a14:useLocalDpi xmlns:a14="http://schemas.microsoft.com/office/drawing/2010/main" val="0"/>
-              </a:ext>
-            </a:extLst>
-          </a:blip>
-          <a:srcRect/>
-          <a:stretch>
-            <a:fillRect/>
-          </a:stretch>
-        </p:blipFill>
-        <p:spPr bwMode="auto">
-          <a:xfrm>
-            <a:off x="543022" y="2483238"/>
-            <a:ext cx="4846637" cy="3681413"/>
-          </a:xfrm>
-          <a:prstGeom prst="rect">
-            <a:avLst/>
-          </a:prstGeom>
-          <a:noFill/>
-          <a:ln>
-            <a:noFill/>
-          </a:ln>
-          <a:effectLst/>
-          <a:extLst>
-            <a:ext uri="{909E8E84-426E-40DD-AFC4-6F175D3DCCD1}">
-              <a14:hiddenFill xmlns:a14="http://schemas.microsoft.com/office/drawing/2010/main">
-                <a:solidFill>
-                  <a:schemeClr val="accent1"/>
-                </a:solidFill>
-              </a14:hiddenFill>
-            </a:ext>
-            <a:ext uri="{91240B29-F687-4F45-9708-019B960494DF}">
-              <a14:hiddenLine xmlns:a14="http://schemas.microsoft.com/office/drawing/2010/main" w="9525">
-                <a:solidFill>
-                  <a:schemeClr val="tx1"/>
-                </a:solidFill>
-                <a:miter lim="800000"/>
-                <a:headEnd/>
-                <a:tailEnd/>
-              </a14:hiddenLine>
-            </a:ext>
-            <a:ext uri="{AF507438-7753-43E0-B8FC-AC1667EBCBE1}">
-              <a14:hiddenEffects xmlns:a14="http://schemas.microsoft.com/office/drawing/2010/main">
-                <a:effectLst>
-                  <a:outerShdw dist="35921" dir="2700000" algn="ctr" rotWithShape="0">
-                    <a:schemeClr val="bg2"/>
-                  </a:outerShdw>
-                </a:effectLst>
-              </a14:hiddenEffects>
-            </a:ext>
-          </a:extLst>
-        </p:spPr>
-      </p:pic>
-    </p:spTree>
-    <p:extLst>
-      <p:ext uri="{BB962C8B-B14F-4D97-AF65-F5344CB8AC3E}">
-        <p14:creationId xmlns:p14="http://schemas.microsoft.com/office/powerpoint/2010/main" val="4021836625"/>
-      </p:ext>
-    </p:extLst>
-  </p:cSld>
-  <p:clrMapOvr>
-    <a:masterClrMapping/>
-  </p:clrMapOvr>
-  <p:timing>
-    <p:tnLst>
-      <p:par>
-        <p:cTn id="1" dur="indefinite" restart="never" nodeType="tmRoot"/>
-      </p:par>
-    </p:tnLst>
-  </p:timing>
-</p:sld>
-</file>
-
-<file path=ppt/slides/slide6.xml><?xml version="1.0" encoding="utf-8"?>
-<p:sld xmlns:a="http://schemas.openxmlformats.org/drawingml/2006/main" xmlns:r="http://schemas.openxmlformats.org/officeDocument/2006/relationships" xmlns:p="http://schemas.openxmlformats.org/presentationml/2006/main">
-  <p:cSld>
-    <p:spTree>
-      <p:nvGrpSpPr>
-        <p:cNvPr id="1" name=""/>
-        <p:cNvGrpSpPr/>
-        <p:nvPr/>
-      </p:nvGrpSpPr>
-      <p:grpSpPr>
-        <a:xfrm>
-          <a:off x="0" y="0"/>
-          <a:ext cx="0" cy="0"/>
-          <a:chOff x="0" y="0"/>
-          <a:chExt cx="0" cy="0"/>
-        </a:xfrm>
-      </p:grpSpPr>
-      <p:sp>
-        <p:nvSpPr>
-          <p:cNvPr id="2" name="Title 1"/>
-          <p:cNvSpPr>
-            <a:spLocks noGrp="1"/>
-          </p:cNvSpPr>
-          <p:nvPr>
-            <p:ph type="title"/>
-          </p:nvPr>
-        </p:nvSpPr>
-        <p:spPr>
-          <a:xfrm>
-            <a:off x="251586" y="244158"/>
-            <a:ext cx="8637831" cy="1339850"/>
-          </a:xfrm>
-        </p:spPr>
-        <p:txBody>
-          <a:bodyPr anchor="t"/>
-          <a:lstStyle/>
-          <a:p>
-            <a:pPr algn="l"/>
-            <a:r>
-              <a:rPr lang="en-US" smtClean="0"/>
-              <a:t>main()</a:t>
-            </a:r>
-            <a:endParaRPr lang="en-US" dirty="0"/>
-          </a:p>
-        </p:txBody>
-      </p:sp>
-      <p:pic>
-        <p:nvPicPr>
-          <p:cNvPr id="2051" name="Picture 3"/>
-          <p:cNvPicPr>
-            <a:picLocks noChangeAspect="1" noChangeArrowheads="1"/>
-          </p:cNvPicPr>
-          <p:nvPr/>
-        </p:nvPicPr>
-        <p:blipFill>
-          <a:blip r:embed="rId3">
-            <a:extLst>
-              <a:ext uri="{28A0092B-C50C-407E-A947-70E740481C1C}">
-                <a14:useLocalDpi xmlns:a14="http://schemas.microsoft.com/office/drawing/2010/main" val="0"/>
-              </a:ext>
-            </a:extLst>
-          </a:blip>
-          <a:srcRect/>
-          <a:stretch>
-            <a:fillRect/>
-          </a:stretch>
-        </p:blipFill>
-        <p:spPr bwMode="auto">
-          <a:xfrm>
-            <a:off x="855987" y="2278612"/>
-            <a:ext cx="6952570" cy="3972897"/>
-          </a:xfrm>
-          <a:prstGeom prst="rect">
-            <a:avLst/>
-          </a:prstGeom>
-          <a:noFill/>
-          <a:ln>
-            <a:noFill/>
-          </a:ln>
-          <a:effectLst/>
-          <a:extLst>
-            <a:ext uri="{909E8E84-426E-40DD-AFC4-6F175D3DCCD1}">
-              <a14:hiddenFill xmlns:a14="http://schemas.microsoft.com/office/drawing/2010/main">
-                <a:solidFill>
-                  <a:schemeClr val="accent1"/>
-                </a:solidFill>
-              </a14:hiddenFill>
-            </a:ext>
-            <a:ext uri="{91240B29-F687-4F45-9708-019B960494DF}">
-              <a14:hiddenLine xmlns:a14="http://schemas.microsoft.com/office/drawing/2010/main" w="9525">
-                <a:solidFill>
-                  <a:schemeClr val="tx1"/>
-                </a:solidFill>
-                <a:miter lim="800000"/>
-                <a:headEnd/>
-                <a:tailEnd/>
-              </a14:hiddenLine>
-            </a:ext>
-            <a:ext uri="{AF507438-7753-43E0-B8FC-AC1667EBCBE1}">
-              <a14:hiddenEffects xmlns:a14="http://schemas.microsoft.com/office/drawing/2010/main">
-                <a:effectLst>
-                  <a:outerShdw dist="35921" dir="2700000" algn="ctr" rotWithShape="0">
-                    <a:schemeClr val="bg2"/>
-                  </a:outerShdw>
-                </a:effectLst>
-              </a14:hiddenEffects>
-            </a:ext>
-          </a:extLst>
-        </p:spPr>
-      </p:pic>
-    </p:spTree>
-    <p:extLst>
-      <p:ext uri="{BB962C8B-B14F-4D97-AF65-F5344CB8AC3E}">
-        <p14:creationId xmlns:p14="http://schemas.microsoft.com/office/powerpoint/2010/main" val="4277043701"/>
-      </p:ext>
-    </p:extLst>
-  </p:cSld>
-  <p:clrMapOvr>
-    <a:masterClrMapping/>
-  </p:clrMapOvr>
-  <p:timing>
-    <p:tnLst>
-      <p:par>
-        <p:cTn id="1" dur="indefinite" restart="never" nodeType="tmRoot"/>
-      </p:par>
-    </p:tnLst>
-  </p:timing>
-</p:sld>
-</file>
-
-<file path=ppt/slides/slide7.xml><?xml version="1.0" encoding="utf-8"?>
+<file path=ppt/slides/slide10.xml><?xml version="1.0" encoding="utf-8"?>
 <p:sld xmlns:a="http://schemas.openxmlformats.org/drawingml/2006/main" xmlns:r="http://schemas.openxmlformats.org/officeDocument/2006/relationships" xmlns:p="http://schemas.openxmlformats.org/presentationml/2006/main">
   <p:cSld>
     <p:spTree>
@@ -16519,7 +16103,7 @@
 </p:sld>
 </file>
 
-<file path=ppt/slides/slide8.xml><?xml version="1.0" encoding="utf-8"?>
+<file path=ppt/slides/slide11.xml><?xml version="1.0" encoding="utf-8"?>
 <p:sld xmlns:a="http://schemas.openxmlformats.org/drawingml/2006/main" xmlns:r="http://schemas.openxmlformats.org/officeDocument/2006/relationships" xmlns:p="http://schemas.openxmlformats.org/presentationml/2006/main">
   <p:cSld>
     <p:spTree>
@@ -16889,6 +16473,1131 @@
     <p:extLst>
       <p:ext uri="{BB962C8B-B14F-4D97-AF65-F5344CB8AC3E}">
         <p14:creationId xmlns:p14="http://schemas.microsoft.com/office/powerpoint/2010/main" val="3059843392"/>
+      </p:ext>
+    </p:extLst>
+  </p:cSld>
+  <p:clrMapOvr>
+    <a:masterClrMapping/>
+  </p:clrMapOvr>
+  <p:timing>
+    <p:tnLst>
+      <p:par>
+        <p:cTn id="1" dur="indefinite" restart="never" nodeType="tmRoot"/>
+      </p:par>
+    </p:tnLst>
+  </p:timing>
+</p:sld>
+</file>
+
+<file path=ppt/slides/slide2.xml><?xml version="1.0" encoding="utf-8"?>
+<p:sld xmlns:a="http://schemas.openxmlformats.org/drawingml/2006/main" xmlns:r="http://schemas.openxmlformats.org/officeDocument/2006/relationships" xmlns:p="http://schemas.openxmlformats.org/presentationml/2006/main">
+  <p:cSld>
+    <p:spTree>
+      <p:nvGrpSpPr>
+        <p:cNvPr id="1" name=""/>
+        <p:cNvGrpSpPr/>
+        <p:nvPr/>
+      </p:nvGrpSpPr>
+      <p:grpSpPr>
+        <a:xfrm>
+          <a:off x="0" y="0"/>
+          <a:ext cx="0" cy="0"/>
+          <a:chOff x="0" y="0"/>
+          <a:chExt cx="0" cy="0"/>
+        </a:xfrm>
+      </p:grpSpPr>
+      <p:sp>
+        <p:nvSpPr>
+          <p:cNvPr id="2" name="Title 1"/>
+          <p:cNvSpPr>
+            <a:spLocks noGrp="1"/>
+          </p:cNvSpPr>
+          <p:nvPr>
+            <p:ph type="title"/>
+          </p:nvPr>
+        </p:nvSpPr>
+        <p:spPr>
+          <a:xfrm>
+            <a:off x="251586" y="244158"/>
+            <a:ext cx="8637831" cy="1339850"/>
+          </a:xfrm>
+        </p:spPr>
+        <p:txBody>
+          <a:bodyPr anchor="t"/>
+          <a:lstStyle/>
+          <a:p>
+            <a:pPr algn="l"/>
+            <a:r>
+              <a:rPr lang="en-US" smtClean="0"/>
+              <a:t>Independent components</a:t>
+            </a:r>
+            <a:endParaRPr lang="en-US" dirty="0"/>
+          </a:p>
+        </p:txBody>
+      </p:sp>
+      <p:sp>
+        <p:nvSpPr>
+          <p:cNvPr id="5" name="Rectangle 4"/>
+          <p:cNvSpPr/>
+          <p:nvPr/>
+        </p:nvSpPr>
+        <p:spPr>
+          <a:xfrm>
+            <a:off x="407436" y="2704528"/>
+            <a:ext cx="7786331" cy="1815882"/>
+          </a:xfrm>
+          <a:prstGeom prst="rect">
+            <a:avLst/>
+          </a:prstGeom>
+        </p:spPr>
+        <p:txBody>
+          <a:bodyPr wrap="square">
+            <a:spAutoFit/>
+          </a:bodyPr>
+          <a:lstStyle/>
+          <a:p>
+            <a:pPr lvl="0"/>
+            <a:r>
+              <a:rPr lang="en-US" sz="2800" dirty="0" smtClean="0">
+                <a:latin typeface="Lucida Sans" panose="020B0602030504020204" pitchFamily="34" charset="0"/>
+              </a:rPr>
+              <a:t>Only </a:t>
+            </a:r>
+            <a:r>
+              <a:rPr lang="en-US" sz="2800" dirty="0" err="1" smtClean="0">
+                <a:latin typeface="Lucida Sans" panose="020B0602030504020204" pitchFamily="34" charset="0"/>
+              </a:rPr>
+              <a:t>coffee_machine</a:t>
+            </a:r>
+            <a:r>
+              <a:rPr lang="en-US" sz="2800" dirty="0" smtClean="0">
+                <a:latin typeface="Lucida Sans" panose="020B0602030504020204" pitchFamily="34" charset="0"/>
+              </a:rPr>
+              <a:t> imports other component files (i.e. from other folders)</a:t>
+            </a:r>
+          </a:p>
+          <a:p>
+            <a:pPr lvl="0"/>
+            <a:endParaRPr lang="en-US" sz="2800" dirty="0" smtClean="0">
+              <a:latin typeface="Lucida Sans" panose="020B0602030504020204" pitchFamily="34" charset="0"/>
+            </a:endParaRPr>
+          </a:p>
+          <a:p>
+            <a:pPr lvl="0"/>
+            <a:r>
+              <a:rPr lang="en-US" sz="2800" dirty="0" smtClean="0">
+                <a:latin typeface="Lucida Sans" panose="020B0602030504020204" pitchFamily="34" charset="0"/>
+              </a:rPr>
+              <a:t>Components don't talk to each other</a:t>
+            </a:r>
+            <a:endParaRPr lang="en-US" sz="2800" dirty="0">
+              <a:latin typeface="Lucida Sans" panose="020B0602030504020204" pitchFamily="34" charset="0"/>
+            </a:endParaRPr>
+          </a:p>
+        </p:txBody>
+      </p:sp>
+    </p:spTree>
+    <p:extLst>
+      <p:ext uri="{BB962C8B-B14F-4D97-AF65-F5344CB8AC3E}">
+        <p14:creationId xmlns:p14="http://schemas.microsoft.com/office/powerpoint/2010/main" val="184622729"/>
+      </p:ext>
+    </p:extLst>
+  </p:cSld>
+  <p:clrMapOvr>
+    <a:masterClrMapping/>
+  </p:clrMapOvr>
+  <p:timing>
+    <p:tnLst>
+      <p:par>
+        <p:cTn id="1" dur="indefinite" restart="never" nodeType="tmRoot"/>
+      </p:par>
+    </p:tnLst>
+  </p:timing>
+</p:sld>
+</file>
+
+<file path=ppt/slides/slide3.xml><?xml version="1.0" encoding="utf-8"?>
+<p:sld xmlns:a="http://schemas.openxmlformats.org/drawingml/2006/main" xmlns:r="http://schemas.openxmlformats.org/officeDocument/2006/relationships" xmlns:p="http://schemas.openxmlformats.org/presentationml/2006/main">
+  <p:cSld>
+    <p:spTree>
+      <p:nvGrpSpPr>
+        <p:cNvPr id="1" name=""/>
+        <p:cNvGrpSpPr/>
+        <p:nvPr/>
+      </p:nvGrpSpPr>
+      <p:grpSpPr>
+        <a:xfrm>
+          <a:off x="0" y="0"/>
+          <a:ext cx="0" cy="0"/>
+          <a:chOff x="0" y="0"/>
+          <a:chExt cx="0" cy="0"/>
+        </a:xfrm>
+      </p:grpSpPr>
+      <p:sp>
+        <p:nvSpPr>
+          <p:cNvPr id="2" name="Title 1"/>
+          <p:cNvSpPr>
+            <a:spLocks noGrp="1"/>
+          </p:cNvSpPr>
+          <p:nvPr>
+            <p:ph type="title"/>
+          </p:nvPr>
+        </p:nvSpPr>
+        <p:spPr>
+          <a:xfrm>
+            <a:off x="251586" y="244158"/>
+            <a:ext cx="8637831" cy="1339850"/>
+          </a:xfrm>
+        </p:spPr>
+        <p:txBody>
+          <a:bodyPr anchor="t"/>
+          <a:lstStyle/>
+          <a:p>
+            <a:pPr algn="l"/>
+            <a:r>
+              <a:rPr lang="en-US" smtClean="0"/>
+              <a:t>Trivial Programs</a:t>
+            </a:r>
+            <a:endParaRPr lang="en-US" dirty="0"/>
+          </a:p>
+        </p:txBody>
+      </p:sp>
+      <p:sp>
+        <p:nvSpPr>
+          <p:cNvPr id="5" name="Rectangle 4"/>
+          <p:cNvSpPr/>
+          <p:nvPr/>
+        </p:nvSpPr>
+        <p:spPr>
+          <a:xfrm>
+            <a:off x="251585" y="2620552"/>
+            <a:ext cx="8637831" cy="2554545"/>
+          </a:xfrm>
+          <a:prstGeom prst="rect">
+            <a:avLst/>
+          </a:prstGeom>
+        </p:spPr>
+        <p:txBody>
+          <a:bodyPr wrap="square">
+            <a:spAutoFit/>
+          </a:bodyPr>
+          <a:lstStyle/>
+          <a:p>
+            <a:pPr marL="457200" lvl="0" indent="-457200">
+              <a:buFont typeface="Arial" panose="020B0604020202020204" pitchFamily="34" charset="0"/>
+              <a:buChar char="•"/>
+            </a:pPr>
+            <a:r>
+              <a:rPr lang="en-US" sz="3200" smtClean="0">
+                <a:latin typeface="Lucida Sans" panose="020B0602030504020204" pitchFamily="34" charset="0"/>
+              </a:rPr>
+              <a:t>A predictable sequence of function calls</a:t>
+            </a:r>
+          </a:p>
+          <a:p>
+            <a:pPr marL="457200" lvl="0" indent="-457200">
+              <a:buFont typeface="Arial" panose="020B0604020202020204" pitchFamily="34" charset="0"/>
+              <a:buChar char="•"/>
+            </a:pPr>
+            <a:r>
+              <a:rPr lang="en-US" sz="3200" smtClean="0">
+                <a:latin typeface="Lucida Sans" panose="020B0602030504020204" pitchFamily="34" charset="0"/>
+              </a:rPr>
+              <a:t>Simple logical structure</a:t>
+            </a:r>
+          </a:p>
+          <a:p>
+            <a:pPr marL="457200" lvl="0" indent="-457200">
+              <a:buFont typeface="Arial" panose="020B0604020202020204" pitchFamily="34" charset="0"/>
+              <a:buChar char="•"/>
+            </a:pPr>
+            <a:r>
+              <a:rPr lang="en-US" sz="3200" smtClean="0">
+                <a:latin typeface="Lucida Sans" panose="020B0602030504020204" pitchFamily="34" charset="0"/>
+              </a:rPr>
+              <a:t>No error states</a:t>
+            </a:r>
+          </a:p>
+          <a:p>
+            <a:pPr lvl="0"/>
+            <a:endParaRPr lang="en-US" sz="3200">
+              <a:latin typeface="Lucida Sans" panose="020B0602030504020204" pitchFamily="34" charset="0"/>
+            </a:endParaRPr>
+          </a:p>
+          <a:p>
+            <a:pPr lvl="0"/>
+            <a:r>
+              <a:rPr lang="en-US" sz="3200" smtClean="0">
+                <a:latin typeface="Lucida Sans" panose="020B0602030504020204" pitchFamily="34" charset="0"/>
+              </a:rPr>
+              <a:t>Write it and go home...</a:t>
+            </a:r>
+            <a:endParaRPr lang="en-US" sz="3200" smtClean="0">
+              <a:latin typeface="Lucida Sans" panose="020B0602030504020204" pitchFamily="34" charset="0"/>
+            </a:endParaRPr>
+          </a:p>
+        </p:txBody>
+      </p:sp>
+    </p:spTree>
+    <p:extLst>
+      <p:ext uri="{BB962C8B-B14F-4D97-AF65-F5344CB8AC3E}">
+        <p14:creationId xmlns:p14="http://schemas.microsoft.com/office/powerpoint/2010/main" val="1584697872"/>
+      </p:ext>
+    </p:extLst>
+  </p:cSld>
+  <p:clrMapOvr>
+    <a:masterClrMapping/>
+  </p:clrMapOvr>
+  <p:timing>
+    <p:tnLst>
+      <p:par>
+        <p:cTn id="1" dur="indefinite" restart="never" nodeType="tmRoot"/>
+      </p:par>
+    </p:tnLst>
+  </p:timing>
+</p:sld>
+</file>
+
+<file path=ppt/slides/slide4.xml><?xml version="1.0" encoding="utf-8"?>
+<p:sld xmlns:a="http://schemas.openxmlformats.org/drawingml/2006/main" xmlns:r="http://schemas.openxmlformats.org/officeDocument/2006/relationships" xmlns:p="http://schemas.openxmlformats.org/presentationml/2006/main">
+  <p:cSld>
+    <p:spTree>
+      <p:nvGrpSpPr>
+        <p:cNvPr id="1" name=""/>
+        <p:cNvGrpSpPr/>
+        <p:nvPr/>
+      </p:nvGrpSpPr>
+      <p:grpSpPr>
+        <a:xfrm>
+          <a:off x="0" y="0"/>
+          <a:ext cx="0" cy="0"/>
+          <a:chOff x="0" y="0"/>
+          <a:chExt cx="0" cy="0"/>
+        </a:xfrm>
+      </p:grpSpPr>
+      <p:sp>
+        <p:nvSpPr>
+          <p:cNvPr id="2" name="Title 1"/>
+          <p:cNvSpPr>
+            <a:spLocks noGrp="1"/>
+          </p:cNvSpPr>
+          <p:nvPr>
+            <p:ph type="title"/>
+          </p:nvPr>
+        </p:nvSpPr>
+        <p:spPr>
+          <a:xfrm>
+            <a:off x="251586" y="244158"/>
+            <a:ext cx="8637831" cy="1339850"/>
+          </a:xfrm>
+        </p:spPr>
+        <p:txBody>
+          <a:bodyPr anchor="t"/>
+          <a:lstStyle/>
+          <a:p>
+            <a:pPr algn="l"/>
+            <a:r>
+              <a:rPr lang="en-US" smtClean="0"/>
+              <a:t>Interesting Programs</a:t>
+            </a:r>
+            <a:endParaRPr lang="en-US" dirty="0"/>
+          </a:p>
+        </p:txBody>
+      </p:sp>
+      <p:sp>
+        <p:nvSpPr>
+          <p:cNvPr id="5" name="Rectangle 4"/>
+          <p:cNvSpPr/>
+          <p:nvPr/>
+        </p:nvSpPr>
+        <p:spPr>
+          <a:xfrm>
+            <a:off x="251585" y="2620552"/>
+            <a:ext cx="8637831" cy="2554545"/>
+          </a:xfrm>
+          <a:prstGeom prst="rect">
+            <a:avLst/>
+          </a:prstGeom>
+        </p:spPr>
+        <p:txBody>
+          <a:bodyPr wrap="square">
+            <a:spAutoFit/>
+          </a:bodyPr>
+          <a:lstStyle/>
+          <a:p>
+            <a:pPr lvl="0"/>
+            <a:r>
+              <a:rPr lang="en-US" sz="3200" smtClean="0">
+                <a:latin typeface="Lucida Sans" panose="020B0602030504020204" pitchFamily="34" charset="0"/>
+              </a:rPr>
+              <a:t>Execution-path depends on:</a:t>
+            </a:r>
+          </a:p>
+          <a:p>
+            <a:pPr marL="914400" lvl="1" indent="-457200">
+              <a:buFont typeface="Arial" panose="020B0604020202020204" pitchFamily="34" charset="0"/>
+              <a:buChar char="•"/>
+            </a:pPr>
+            <a:r>
+              <a:rPr lang="en-US" sz="3200" smtClean="0">
+                <a:latin typeface="Lucida Sans" panose="020B0602030504020204" pitchFamily="34" charset="0"/>
+              </a:rPr>
+              <a:t>run-time data</a:t>
+            </a:r>
+          </a:p>
+          <a:p>
+            <a:pPr marL="914400" lvl="1" indent="-457200">
+              <a:buFont typeface="Arial" panose="020B0604020202020204" pitchFamily="34" charset="0"/>
+              <a:buChar char="•"/>
+            </a:pPr>
+            <a:r>
+              <a:rPr lang="en-US" sz="3200" smtClean="0">
+                <a:latin typeface="Lucida Sans" panose="020B0602030504020204" pitchFamily="34" charset="0"/>
+              </a:rPr>
+              <a:t>error states</a:t>
+            </a:r>
+            <a:endParaRPr lang="en-US" sz="3200">
+              <a:latin typeface="Lucida Sans" panose="020B0602030504020204" pitchFamily="34" charset="0"/>
+            </a:endParaRPr>
+          </a:p>
+          <a:p>
+            <a:endParaRPr lang="en-US" sz="3200" smtClean="0">
+              <a:latin typeface="Lucida Sans" panose="020B0602030504020204" pitchFamily="34" charset="0"/>
+            </a:endParaRPr>
+          </a:p>
+          <a:p>
+            <a:r>
+              <a:rPr lang="en-US" sz="3200" smtClean="0">
+                <a:latin typeface="Lucida Sans" panose="020B0602030504020204" pitchFamily="34" charset="0"/>
+              </a:rPr>
+              <a:t>The program has multiple states</a:t>
+            </a:r>
+          </a:p>
+        </p:txBody>
+      </p:sp>
+    </p:spTree>
+    <p:extLst>
+      <p:ext uri="{BB962C8B-B14F-4D97-AF65-F5344CB8AC3E}">
+        <p14:creationId xmlns:p14="http://schemas.microsoft.com/office/powerpoint/2010/main" val="1471409304"/>
+      </p:ext>
+    </p:extLst>
+  </p:cSld>
+  <p:clrMapOvr>
+    <a:masterClrMapping/>
+  </p:clrMapOvr>
+  <p:timing>
+    <p:tnLst>
+      <p:par>
+        <p:cTn id="1" dur="indefinite" restart="never" nodeType="tmRoot"/>
+      </p:par>
+    </p:tnLst>
+  </p:timing>
+</p:sld>
+</file>
+
+<file path=ppt/slides/slide5.xml><?xml version="1.0" encoding="utf-8"?>
+<p:sld xmlns:a="http://schemas.openxmlformats.org/drawingml/2006/main" xmlns:r="http://schemas.openxmlformats.org/officeDocument/2006/relationships" xmlns:p="http://schemas.openxmlformats.org/presentationml/2006/main">
+  <p:cSld>
+    <p:spTree>
+      <p:nvGrpSpPr>
+        <p:cNvPr id="1" name=""/>
+        <p:cNvGrpSpPr/>
+        <p:nvPr/>
+      </p:nvGrpSpPr>
+      <p:grpSpPr>
+        <a:xfrm>
+          <a:off x="0" y="0"/>
+          <a:ext cx="0" cy="0"/>
+          <a:chOff x="0" y="0"/>
+          <a:chExt cx="0" cy="0"/>
+        </a:xfrm>
+      </p:grpSpPr>
+      <p:sp>
+        <p:nvSpPr>
+          <p:cNvPr id="2" name="Title 1"/>
+          <p:cNvSpPr>
+            <a:spLocks noGrp="1"/>
+          </p:cNvSpPr>
+          <p:nvPr>
+            <p:ph type="title"/>
+          </p:nvPr>
+        </p:nvSpPr>
+        <p:spPr>
+          <a:xfrm>
+            <a:off x="251586" y="244158"/>
+            <a:ext cx="8637831" cy="1339850"/>
+          </a:xfrm>
+        </p:spPr>
+        <p:txBody>
+          <a:bodyPr anchor="t"/>
+          <a:lstStyle/>
+          <a:p>
+            <a:pPr algn="l"/>
+            <a:r>
+              <a:rPr lang="en-US" smtClean="0"/>
+              <a:t>Horrible Programs</a:t>
+            </a:r>
+            <a:endParaRPr lang="en-US" dirty="0"/>
+          </a:p>
+        </p:txBody>
+      </p:sp>
+      <p:sp>
+        <p:nvSpPr>
+          <p:cNvPr id="5" name="Rectangle 4"/>
+          <p:cNvSpPr/>
+          <p:nvPr/>
+        </p:nvSpPr>
+        <p:spPr>
+          <a:xfrm>
+            <a:off x="251585" y="2620552"/>
+            <a:ext cx="8637831" cy="2554545"/>
+          </a:xfrm>
+          <a:prstGeom prst="rect">
+            <a:avLst/>
+          </a:prstGeom>
+        </p:spPr>
+        <p:txBody>
+          <a:bodyPr wrap="square">
+            <a:spAutoFit/>
+          </a:bodyPr>
+          <a:lstStyle/>
+          <a:p>
+            <a:pPr lvl="0"/>
+            <a:r>
+              <a:rPr lang="en-US" sz="3200" smtClean="0">
+                <a:latin typeface="Lucida Sans" panose="020B0602030504020204" pitchFamily="34" charset="0"/>
+              </a:rPr>
+              <a:t>Program state is not explicit</a:t>
+            </a:r>
+          </a:p>
+          <a:p>
+            <a:pPr marL="914400" lvl="1" indent="-457200">
+              <a:buFont typeface="Arial" panose="020B0604020202020204" pitchFamily="34" charset="0"/>
+              <a:buChar char="•"/>
+            </a:pPr>
+            <a:r>
+              <a:rPr lang="en-US" sz="3200" smtClean="0">
+                <a:latin typeface="Lucida Sans" panose="020B0602030504020204" pitchFamily="34" charset="0"/>
+              </a:rPr>
+              <a:t>complex tests calculate current state</a:t>
+            </a:r>
+          </a:p>
+          <a:p>
+            <a:pPr marL="914400" lvl="1" indent="-457200">
+              <a:buFont typeface="Arial" panose="020B0604020202020204" pitchFamily="34" charset="0"/>
+              <a:buChar char="•"/>
+            </a:pPr>
+            <a:r>
+              <a:rPr lang="en-US" sz="3200" smtClean="0">
+                <a:latin typeface="Lucida Sans" panose="020B0602030504020204" pitchFamily="34" charset="0"/>
+              </a:rPr>
+              <a:t>state changes are hidden</a:t>
+            </a:r>
+          </a:p>
+          <a:p>
+            <a:pPr marL="914400" lvl="1" indent="-457200">
+              <a:buFont typeface="Arial" panose="020B0604020202020204" pitchFamily="34" charset="0"/>
+              <a:buChar char="•"/>
+            </a:pPr>
+            <a:r>
+              <a:rPr lang="en-US" sz="3200" smtClean="0">
+                <a:latin typeface="Lucida Sans" panose="020B0602030504020204" pitchFamily="34" charset="0"/>
+              </a:rPr>
+              <a:t>very difficult to ensure correctness</a:t>
+            </a:r>
+          </a:p>
+          <a:p>
+            <a:pPr marL="914400" lvl="1" indent="-457200">
+              <a:buFont typeface="Arial" panose="020B0604020202020204" pitchFamily="34" charset="0"/>
+              <a:buChar char="•"/>
+            </a:pPr>
+            <a:r>
+              <a:rPr lang="en-US" sz="3200" smtClean="0">
+                <a:latin typeface="Lucida Sans" panose="020B0602030504020204" pitchFamily="34" charset="0"/>
+              </a:rPr>
+              <a:t>very difficult to modify</a:t>
+            </a:r>
+            <a:endParaRPr lang="en-US" sz="3200">
+              <a:latin typeface="Lucida Sans" panose="020B0602030504020204" pitchFamily="34" charset="0"/>
+            </a:endParaRPr>
+          </a:p>
+        </p:txBody>
+      </p:sp>
+    </p:spTree>
+    <p:extLst>
+      <p:ext uri="{BB962C8B-B14F-4D97-AF65-F5344CB8AC3E}">
+        <p14:creationId xmlns:p14="http://schemas.microsoft.com/office/powerpoint/2010/main" val="3487861475"/>
+      </p:ext>
+    </p:extLst>
+  </p:cSld>
+  <p:clrMapOvr>
+    <a:masterClrMapping/>
+  </p:clrMapOvr>
+  <p:timing>
+    <p:tnLst>
+      <p:par>
+        <p:cTn id="1" dur="indefinite" restart="never" nodeType="tmRoot"/>
+      </p:par>
+    </p:tnLst>
+  </p:timing>
+</p:sld>
+</file>
+
+<file path=ppt/slides/slide6.xml><?xml version="1.0" encoding="utf-8"?>
+<p:sld xmlns:a="http://schemas.openxmlformats.org/drawingml/2006/main" xmlns:r="http://schemas.openxmlformats.org/officeDocument/2006/relationships" xmlns:p="http://schemas.openxmlformats.org/presentationml/2006/main">
+  <p:cSld>
+    <p:spTree>
+      <p:nvGrpSpPr>
+        <p:cNvPr id="1" name=""/>
+        <p:cNvGrpSpPr/>
+        <p:nvPr/>
+      </p:nvGrpSpPr>
+      <p:grpSpPr>
+        <a:xfrm>
+          <a:off x="0" y="0"/>
+          <a:ext cx="0" cy="0"/>
+          <a:chOff x="0" y="0"/>
+          <a:chExt cx="0" cy="0"/>
+        </a:xfrm>
+      </p:grpSpPr>
+      <p:sp>
+        <p:nvSpPr>
+          <p:cNvPr id="2" name="Title 1"/>
+          <p:cNvSpPr>
+            <a:spLocks noGrp="1"/>
+          </p:cNvSpPr>
+          <p:nvPr>
+            <p:ph type="title"/>
+          </p:nvPr>
+        </p:nvSpPr>
+        <p:spPr>
+          <a:xfrm>
+            <a:off x="251586" y="244158"/>
+            <a:ext cx="8637831" cy="1339850"/>
+          </a:xfrm>
+        </p:spPr>
+        <p:txBody>
+          <a:bodyPr anchor="t"/>
+          <a:lstStyle/>
+          <a:p>
+            <a:pPr algn="l"/>
+            <a:r>
+              <a:rPr lang="en-US" smtClean="0"/>
+              <a:t>Encapsulate State Changes</a:t>
+            </a:r>
+            <a:endParaRPr lang="en-US" dirty="0"/>
+          </a:p>
+        </p:txBody>
+      </p:sp>
+      <p:sp>
+        <p:nvSpPr>
+          <p:cNvPr id="5" name="Rectangle 4"/>
+          <p:cNvSpPr/>
+          <p:nvPr/>
+        </p:nvSpPr>
+        <p:spPr>
+          <a:xfrm>
+            <a:off x="519404" y="1986044"/>
+            <a:ext cx="8223380" cy="4031873"/>
+          </a:xfrm>
+          <a:prstGeom prst="rect">
+            <a:avLst/>
+          </a:prstGeom>
+        </p:spPr>
+        <p:txBody>
+          <a:bodyPr wrap="square">
+            <a:spAutoFit/>
+          </a:bodyPr>
+          <a:lstStyle/>
+          <a:p>
+            <a:pPr lvl="0"/>
+            <a:r>
+              <a:rPr lang="en-US" sz="3200" smtClean="0">
+                <a:latin typeface="Lucida Sans" panose="020B0602030504020204" pitchFamily="34" charset="0"/>
+              </a:rPr>
+              <a:t>State_machine</a:t>
+            </a:r>
+          </a:p>
+          <a:p>
+            <a:pPr marL="457200" lvl="0" indent="-457200">
+              <a:buFont typeface="Arial" panose="020B0604020202020204" pitchFamily="34" charset="0"/>
+              <a:buChar char="•"/>
+            </a:pPr>
+            <a:r>
+              <a:rPr lang="en-US" sz="3200" smtClean="0">
+                <a:latin typeface="Lucida Sans" panose="020B0602030504020204" pitchFamily="34" charset="0"/>
+              </a:rPr>
+              <a:t>Define names for possible states</a:t>
+            </a:r>
+          </a:p>
+          <a:p>
+            <a:pPr marL="457200" lvl="0" indent="-457200">
+              <a:buFont typeface="Arial" panose="020B0604020202020204" pitchFamily="34" charset="0"/>
+              <a:buChar char="•"/>
+            </a:pPr>
+            <a:r>
+              <a:rPr lang="en-US" sz="3200" smtClean="0">
+                <a:latin typeface="Lucida Sans" panose="020B0602030504020204" pitchFamily="34" charset="0"/>
+              </a:rPr>
+              <a:t>Maintain a value representing the current state</a:t>
+            </a:r>
+          </a:p>
+          <a:p>
+            <a:pPr marL="457200" lvl="0" indent="-457200">
+              <a:buFont typeface="Arial" panose="020B0604020202020204" pitchFamily="34" charset="0"/>
+              <a:buChar char="•"/>
+            </a:pPr>
+            <a:r>
+              <a:rPr lang="en-US" sz="3200" smtClean="0">
+                <a:latin typeface="Lucida Sans" panose="020B0602030504020204" pitchFamily="34" charset="0"/>
+              </a:rPr>
+              <a:t>Selects functions for that state</a:t>
+            </a:r>
+            <a:endParaRPr lang="en-US" sz="3200" smtClean="0">
+              <a:latin typeface="Lucida Sans" panose="020B0602030504020204" pitchFamily="34" charset="0"/>
+            </a:endParaRPr>
+          </a:p>
+          <a:p>
+            <a:pPr marL="457200" lvl="0" indent="-457200">
+              <a:buFont typeface="Arial" panose="020B0604020202020204" pitchFamily="34" charset="0"/>
+              <a:buChar char="•"/>
+            </a:pPr>
+            <a:r>
+              <a:rPr lang="en-US" sz="3200" smtClean="0">
+                <a:latin typeface="Lucida Sans" panose="020B0602030504020204" pitchFamily="34" charset="0"/>
+              </a:rPr>
+              <a:t>Receives </a:t>
+            </a:r>
+            <a:r>
+              <a:rPr lang="en-US" sz="3200" smtClean="0">
+                <a:latin typeface="Lucida Sans" panose="020B0602030504020204" pitchFamily="34" charset="0"/>
+              </a:rPr>
+              <a:t>values </a:t>
+            </a:r>
+            <a:r>
+              <a:rPr lang="en-US" sz="3200" smtClean="0">
+                <a:latin typeface="Lucida Sans" panose="020B0602030504020204" pitchFamily="34" charset="0"/>
+              </a:rPr>
+              <a:t>from function-calls</a:t>
+            </a:r>
+            <a:endParaRPr lang="en-US" sz="3200" smtClean="0">
+              <a:latin typeface="Lucida Sans" panose="020B0602030504020204" pitchFamily="34" charset="0"/>
+            </a:endParaRPr>
+          </a:p>
+          <a:p>
+            <a:pPr marL="457200" lvl="0" indent="-457200">
+              <a:buFont typeface="Arial" panose="020B0604020202020204" pitchFamily="34" charset="0"/>
+              <a:buChar char="•"/>
+            </a:pPr>
+            <a:r>
+              <a:rPr lang="en-US" sz="3200" smtClean="0">
+                <a:latin typeface="Lucida Sans" panose="020B0602030504020204" pitchFamily="34" charset="0"/>
+              </a:rPr>
+              <a:t>Changes state when necessary</a:t>
+            </a:r>
+          </a:p>
+          <a:p>
+            <a:pPr lvl="0"/>
+            <a:endParaRPr lang="en-US" sz="3200" smtClean="0">
+              <a:latin typeface="Lucida Sans" panose="020B0602030504020204" pitchFamily="34" charset="0"/>
+            </a:endParaRPr>
+          </a:p>
+        </p:txBody>
+      </p:sp>
+    </p:spTree>
+    <p:extLst>
+      <p:ext uri="{BB962C8B-B14F-4D97-AF65-F5344CB8AC3E}">
+        <p14:creationId xmlns:p14="http://schemas.microsoft.com/office/powerpoint/2010/main" val="2479767884"/>
+      </p:ext>
+    </p:extLst>
+  </p:cSld>
+  <p:clrMapOvr>
+    <a:masterClrMapping/>
+  </p:clrMapOvr>
+  <p:timing>
+    <p:tnLst>
+      <p:par>
+        <p:cTn id="1" dur="indefinite" restart="never" nodeType="tmRoot"/>
+      </p:par>
+    </p:tnLst>
+  </p:timing>
+</p:sld>
+</file>
+
+<file path=ppt/slides/slide7.xml><?xml version="1.0" encoding="utf-8"?>
+<p:sld xmlns:a="http://schemas.openxmlformats.org/drawingml/2006/main" xmlns:r="http://schemas.openxmlformats.org/officeDocument/2006/relationships" xmlns:p="http://schemas.openxmlformats.org/presentationml/2006/main">
+  <p:cSld>
+    <p:spTree>
+      <p:nvGrpSpPr>
+        <p:cNvPr id="1" name=""/>
+        <p:cNvGrpSpPr/>
+        <p:nvPr/>
+      </p:nvGrpSpPr>
+      <p:grpSpPr>
+        <a:xfrm>
+          <a:off x="0" y="0"/>
+          <a:ext cx="0" cy="0"/>
+          <a:chOff x="0" y="0"/>
+          <a:chExt cx="0" cy="0"/>
+        </a:xfrm>
+      </p:grpSpPr>
+      <p:sp>
+        <p:nvSpPr>
+          <p:cNvPr id="2" name="Title 1"/>
+          <p:cNvSpPr>
+            <a:spLocks noGrp="1"/>
+          </p:cNvSpPr>
+          <p:nvPr>
+            <p:ph type="title"/>
+          </p:nvPr>
+        </p:nvSpPr>
+        <p:spPr>
+          <a:xfrm>
+            <a:off x="251586" y="244158"/>
+            <a:ext cx="8637831" cy="1339850"/>
+          </a:xfrm>
+        </p:spPr>
+        <p:txBody>
+          <a:bodyPr anchor="t"/>
+          <a:lstStyle/>
+          <a:p>
+            <a:pPr algn="l"/>
+            <a:r>
+              <a:rPr lang="en-US" smtClean="0"/>
+              <a:t>Define States</a:t>
+            </a:r>
+            <a:endParaRPr lang="en-US" dirty="0"/>
+          </a:p>
+        </p:txBody>
+      </p:sp>
+      <p:pic>
+        <p:nvPicPr>
+          <p:cNvPr id="3074" name="Picture 2"/>
+          <p:cNvPicPr>
+            <a:picLocks noChangeAspect="1" noChangeArrowheads="1"/>
+          </p:cNvPicPr>
+          <p:nvPr/>
+        </p:nvPicPr>
+        <p:blipFill>
+          <a:blip r:embed="rId3">
+            <a:extLst>
+              <a:ext uri="{28A0092B-C50C-407E-A947-70E740481C1C}">
+                <a14:useLocalDpi xmlns:a14="http://schemas.microsoft.com/office/drawing/2010/main" val="0"/>
+              </a:ext>
+            </a:extLst>
+          </a:blip>
+          <a:srcRect/>
+          <a:stretch>
+            <a:fillRect/>
+          </a:stretch>
+        </p:blipFill>
+        <p:spPr bwMode="auto">
+          <a:xfrm>
+            <a:off x="616047" y="2139950"/>
+            <a:ext cx="5710108" cy="3884119"/>
+          </a:xfrm>
+          <a:prstGeom prst="rect">
+            <a:avLst/>
+          </a:prstGeom>
+          <a:noFill/>
+          <a:ln>
+            <a:noFill/>
+          </a:ln>
+          <a:effectLst/>
+          <a:extLst>
+            <a:ext uri="{909E8E84-426E-40DD-AFC4-6F175D3DCCD1}">
+              <a14:hiddenFill xmlns:a14="http://schemas.microsoft.com/office/drawing/2010/main">
+                <a:solidFill>
+                  <a:schemeClr val="accent1"/>
+                </a:solidFill>
+              </a14:hiddenFill>
+            </a:ext>
+            <a:ext uri="{91240B29-F687-4F45-9708-019B960494DF}">
+              <a14:hiddenLine xmlns:a14="http://schemas.microsoft.com/office/drawing/2010/main" w="9525">
+                <a:solidFill>
+                  <a:schemeClr val="tx1"/>
+                </a:solidFill>
+                <a:miter lim="800000"/>
+                <a:headEnd/>
+                <a:tailEnd/>
+              </a14:hiddenLine>
+            </a:ext>
+            <a:ext uri="{AF507438-7753-43E0-B8FC-AC1667EBCBE1}">
+              <a14:hiddenEffects xmlns:a14="http://schemas.microsoft.com/office/drawing/2010/main">
+                <a:effectLst>
+                  <a:outerShdw dist="35921" dir="2700000" algn="ctr" rotWithShape="0">
+                    <a:schemeClr val="bg2"/>
+                  </a:outerShdw>
+                </a:effectLst>
+              </a14:hiddenEffects>
+            </a:ext>
+          </a:extLst>
+        </p:spPr>
+      </p:pic>
+    </p:spTree>
+    <p:extLst>
+      <p:ext uri="{BB962C8B-B14F-4D97-AF65-F5344CB8AC3E}">
+        <p14:creationId xmlns:p14="http://schemas.microsoft.com/office/powerpoint/2010/main" val="2845128240"/>
+      </p:ext>
+    </p:extLst>
+  </p:cSld>
+  <p:clrMapOvr>
+    <a:masterClrMapping/>
+  </p:clrMapOvr>
+  <p:timing>
+    <p:tnLst>
+      <p:par>
+        <p:cTn id="1" dur="indefinite" restart="never" nodeType="tmRoot"/>
+      </p:par>
+    </p:tnLst>
+  </p:timing>
+</p:sld>
+</file>
+
+<file path=ppt/slides/slide8.xml><?xml version="1.0" encoding="utf-8"?>
+<p:sld xmlns:a="http://schemas.openxmlformats.org/drawingml/2006/main" xmlns:r="http://schemas.openxmlformats.org/officeDocument/2006/relationships" xmlns:p="http://schemas.openxmlformats.org/presentationml/2006/main">
+  <p:cSld>
+    <p:spTree>
+      <p:nvGrpSpPr>
+        <p:cNvPr id="1" name=""/>
+        <p:cNvGrpSpPr/>
+        <p:nvPr/>
+      </p:nvGrpSpPr>
+      <p:grpSpPr>
+        <a:xfrm>
+          <a:off x="0" y="0"/>
+          <a:ext cx="0" cy="0"/>
+          <a:chOff x="0" y="0"/>
+          <a:chExt cx="0" cy="0"/>
+        </a:xfrm>
+      </p:grpSpPr>
+      <p:sp>
+        <p:nvSpPr>
+          <p:cNvPr id="2" name="Title 1"/>
+          <p:cNvSpPr>
+            <a:spLocks noGrp="1"/>
+          </p:cNvSpPr>
+          <p:nvPr>
+            <p:ph type="title"/>
+          </p:nvPr>
+        </p:nvSpPr>
+        <p:spPr>
+          <a:xfrm>
+            <a:off x="251586" y="244158"/>
+            <a:ext cx="8637831" cy="1339850"/>
+          </a:xfrm>
+        </p:spPr>
+        <p:txBody>
+          <a:bodyPr anchor="t"/>
+          <a:lstStyle/>
+          <a:p>
+            <a:pPr algn="l"/>
+            <a:r>
+              <a:rPr lang="en-US" smtClean="0"/>
+              <a:t>State Machine</a:t>
+            </a:r>
+            <a:endParaRPr lang="en-US" dirty="0"/>
+          </a:p>
+        </p:txBody>
+      </p:sp>
+      <p:pic>
+        <p:nvPicPr>
+          <p:cNvPr id="1026" name="Picture 2"/>
+          <p:cNvPicPr>
+            <a:picLocks noChangeAspect="1" noChangeArrowheads="1"/>
+          </p:cNvPicPr>
+          <p:nvPr/>
+        </p:nvPicPr>
+        <p:blipFill>
+          <a:blip r:embed="rId3">
+            <a:extLst>
+              <a:ext uri="{28A0092B-C50C-407E-A947-70E740481C1C}">
+                <a14:useLocalDpi xmlns:a14="http://schemas.microsoft.com/office/drawing/2010/main" val="0"/>
+              </a:ext>
+            </a:extLst>
+          </a:blip>
+          <a:srcRect/>
+          <a:stretch>
+            <a:fillRect/>
+          </a:stretch>
+        </p:blipFill>
+        <p:spPr bwMode="auto">
+          <a:xfrm>
+            <a:off x="543022" y="2483238"/>
+            <a:ext cx="4846637" cy="3681413"/>
+          </a:xfrm>
+          <a:prstGeom prst="rect">
+            <a:avLst/>
+          </a:prstGeom>
+          <a:noFill/>
+          <a:ln>
+            <a:noFill/>
+          </a:ln>
+          <a:effectLst/>
+          <a:extLst>
+            <a:ext uri="{909E8E84-426E-40DD-AFC4-6F175D3DCCD1}">
+              <a14:hiddenFill xmlns:a14="http://schemas.microsoft.com/office/drawing/2010/main">
+                <a:solidFill>
+                  <a:schemeClr val="accent1"/>
+                </a:solidFill>
+              </a14:hiddenFill>
+            </a:ext>
+            <a:ext uri="{91240B29-F687-4F45-9708-019B960494DF}">
+              <a14:hiddenLine xmlns:a14="http://schemas.microsoft.com/office/drawing/2010/main" w="9525">
+                <a:solidFill>
+                  <a:schemeClr val="tx1"/>
+                </a:solidFill>
+                <a:miter lim="800000"/>
+                <a:headEnd/>
+                <a:tailEnd/>
+              </a14:hiddenLine>
+            </a:ext>
+            <a:ext uri="{AF507438-7753-43E0-B8FC-AC1667EBCBE1}">
+              <a14:hiddenEffects xmlns:a14="http://schemas.microsoft.com/office/drawing/2010/main">
+                <a:effectLst>
+                  <a:outerShdw dist="35921" dir="2700000" algn="ctr" rotWithShape="0">
+                    <a:schemeClr val="bg2"/>
+                  </a:outerShdw>
+                </a:effectLst>
+              </a14:hiddenEffects>
+            </a:ext>
+          </a:extLst>
+        </p:spPr>
+      </p:pic>
+    </p:spTree>
+    <p:extLst>
+      <p:ext uri="{BB962C8B-B14F-4D97-AF65-F5344CB8AC3E}">
+        <p14:creationId xmlns:p14="http://schemas.microsoft.com/office/powerpoint/2010/main" val="4021836625"/>
+      </p:ext>
+    </p:extLst>
+  </p:cSld>
+  <p:clrMapOvr>
+    <a:masterClrMapping/>
+  </p:clrMapOvr>
+  <p:timing>
+    <p:tnLst>
+      <p:par>
+        <p:cTn id="1" dur="indefinite" restart="never" nodeType="tmRoot"/>
+      </p:par>
+    </p:tnLst>
+  </p:timing>
+</p:sld>
+</file>
+
+<file path=ppt/slides/slide9.xml><?xml version="1.0" encoding="utf-8"?>
+<p:sld xmlns:a="http://schemas.openxmlformats.org/drawingml/2006/main" xmlns:r="http://schemas.openxmlformats.org/officeDocument/2006/relationships" xmlns:p="http://schemas.openxmlformats.org/presentationml/2006/main">
+  <p:cSld>
+    <p:spTree>
+      <p:nvGrpSpPr>
+        <p:cNvPr id="1" name=""/>
+        <p:cNvGrpSpPr/>
+        <p:nvPr/>
+      </p:nvGrpSpPr>
+      <p:grpSpPr>
+        <a:xfrm>
+          <a:off x="0" y="0"/>
+          <a:ext cx="0" cy="0"/>
+          <a:chOff x="0" y="0"/>
+          <a:chExt cx="0" cy="0"/>
+        </a:xfrm>
+      </p:grpSpPr>
+      <p:sp>
+        <p:nvSpPr>
+          <p:cNvPr id="2" name="Title 1"/>
+          <p:cNvSpPr>
+            <a:spLocks noGrp="1"/>
+          </p:cNvSpPr>
+          <p:nvPr>
+            <p:ph type="title"/>
+          </p:nvPr>
+        </p:nvSpPr>
+        <p:spPr>
+          <a:xfrm>
+            <a:off x="251586" y="244158"/>
+            <a:ext cx="8637831" cy="1339850"/>
+          </a:xfrm>
+        </p:spPr>
+        <p:txBody>
+          <a:bodyPr anchor="t"/>
+          <a:lstStyle/>
+          <a:p>
+            <a:pPr algn="l"/>
+            <a:r>
+              <a:rPr lang="en-US" smtClean="0"/>
+              <a:t>main()</a:t>
+            </a:r>
+            <a:endParaRPr lang="en-US" dirty="0"/>
+          </a:p>
+        </p:txBody>
+      </p:sp>
+      <p:pic>
+        <p:nvPicPr>
+          <p:cNvPr id="2051" name="Picture 3"/>
+          <p:cNvPicPr>
+            <a:picLocks noChangeAspect="1" noChangeArrowheads="1"/>
+          </p:cNvPicPr>
+          <p:nvPr/>
+        </p:nvPicPr>
+        <p:blipFill>
+          <a:blip r:embed="rId3">
+            <a:extLst>
+              <a:ext uri="{28A0092B-C50C-407E-A947-70E740481C1C}">
+                <a14:useLocalDpi xmlns:a14="http://schemas.microsoft.com/office/drawing/2010/main" val="0"/>
+              </a:ext>
+            </a:extLst>
+          </a:blip>
+          <a:srcRect/>
+          <a:stretch>
+            <a:fillRect/>
+          </a:stretch>
+        </p:blipFill>
+        <p:spPr bwMode="auto">
+          <a:xfrm>
+            <a:off x="855987" y="2278612"/>
+            <a:ext cx="6952570" cy="3972897"/>
+          </a:xfrm>
+          <a:prstGeom prst="rect">
+            <a:avLst/>
+          </a:prstGeom>
+          <a:noFill/>
+          <a:ln>
+            <a:noFill/>
+          </a:ln>
+          <a:effectLst/>
+          <a:extLst>
+            <a:ext uri="{909E8E84-426E-40DD-AFC4-6F175D3DCCD1}">
+              <a14:hiddenFill xmlns:a14="http://schemas.microsoft.com/office/drawing/2010/main">
+                <a:solidFill>
+                  <a:schemeClr val="accent1"/>
+                </a:solidFill>
+              </a14:hiddenFill>
+            </a:ext>
+            <a:ext uri="{91240B29-F687-4F45-9708-019B960494DF}">
+              <a14:hiddenLine xmlns:a14="http://schemas.microsoft.com/office/drawing/2010/main" w="9525">
+                <a:solidFill>
+                  <a:schemeClr val="tx1"/>
+                </a:solidFill>
+                <a:miter lim="800000"/>
+                <a:headEnd/>
+                <a:tailEnd/>
+              </a14:hiddenLine>
+            </a:ext>
+            <a:ext uri="{AF507438-7753-43E0-B8FC-AC1667EBCBE1}">
+              <a14:hiddenEffects xmlns:a14="http://schemas.microsoft.com/office/drawing/2010/main">
+                <a:effectLst>
+                  <a:outerShdw dist="35921" dir="2700000" algn="ctr" rotWithShape="0">
+                    <a:schemeClr val="bg2"/>
+                  </a:outerShdw>
+                </a:effectLst>
+              </a14:hiddenEffects>
+            </a:ext>
+          </a:extLst>
+        </p:spPr>
+      </p:pic>
+    </p:spTree>
+    <p:extLst>
+      <p:ext uri="{BB962C8B-B14F-4D97-AF65-F5344CB8AC3E}">
+        <p14:creationId xmlns:p14="http://schemas.microsoft.com/office/powerpoint/2010/main" val="4277043701"/>
       </p:ext>
     </p:extLst>
   </p:cSld>
